--- a/SL_Project_presentation.pptx
+++ b/SL_Project_presentation.pptx
@@ -5,7 +5,7 @@
     <p:sldMasterId id="2147483648" r:id="rId1"/>
   </p:sldMasterIdLst>
   <p:notesMasterIdLst>
-    <p:notesMasterId r:id="rId13"/>
+    <p:notesMasterId r:id="rId15"/>
   </p:notesMasterIdLst>
   <p:sldIdLst>
     <p:sldId id="256" r:id="rId2"/>
@@ -18,7 +18,9 @@
     <p:sldId id="267" r:id="rId9"/>
     <p:sldId id="263" r:id="rId10"/>
     <p:sldId id="264" r:id="rId11"/>
-    <p:sldId id="265" r:id="rId12"/>
+    <p:sldId id="270" r:id="rId12"/>
+    <p:sldId id="269" r:id="rId13"/>
+    <p:sldId id="265" r:id="rId14"/>
   </p:sldIdLst>
   <p:sldSz cx="12192000" cy="6858000"/>
   <p:notesSz cx="6858000" cy="9144000"/>
@@ -3682,34 +3684,6 @@
       </p:grpSpPr>
       <p:sp>
         <p:nvSpPr>
-          <p:cNvPr id="2" name="Titolo 1">
-            <a:extLst>
-              <a:ext uri="{FF2B5EF4-FFF2-40B4-BE49-F238E27FC236}">
-                <a16:creationId xmlns:a16="http://schemas.microsoft.com/office/drawing/2014/main" id="{A3FB740D-9675-704C-A803-611D8A52BCDA}"/>
-              </a:ext>
-            </a:extLst>
-          </p:cNvPr>
-          <p:cNvSpPr>
-            <a:spLocks noGrp="1"/>
-          </p:cNvSpPr>
-          <p:nvPr>
-            <p:ph type="title"/>
-          </p:nvPr>
-        </p:nvSpPr>
-        <p:spPr/>
-        <p:txBody>
-          <a:bodyPr/>
-          <a:lstStyle/>
-          <a:p>
-            <a:r>
-              <a:rPr lang="it-IT" dirty="0"/>
-              <a:t>Mappa delle case</a:t>
-            </a:r>
-          </a:p>
-        </p:txBody>
-      </p:sp>
-      <p:sp>
-        <p:nvSpPr>
           <p:cNvPr id="4" name="Segnaposto data 3">
             <a:extLst>
               <a:ext uri="{FF2B5EF4-FFF2-40B4-BE49-F238E27FC236}">
@@ -3804,6 +3778,339 @@
           </a:p>
         </p:txBody>
       </p:sp>
+      <p:sp>
+        <p:nvSpPr>
+          <p:cNvPr id="8" name="Titolo 1">
+            <a:extLst>
+              <a:ext uri="{FF2B5EF4-FFF2-40B4-BE49-F238E27FC236}">
+                <a16:creationId xmlns:a16="http://schemas.microsoft.com/office/drawing/2014/main" id="{A51A58B3-E52F-E94F-A381-28C1E66E58AC}"/>
+              </a:ext>
+            </a:extLst>
+          </p:cNvPr>
+          <p:cNvSpPr txBox="1">
+            <a:spLocks/>
+          </p:cNvSpPr>
+          <p:nvPr/>
+        </p:nvSpPr>
+        <p:spPr>
+          <a:xfrm>
+            <a:off x="693056" y="268198"/>
+            <a:ext cx="10515600" cy="1325563"/>
+          </a:xfrm>
+          <a:prstGeom prst="rect">
+            <a:avLst/>
+          </a:prstGeom>
+        </p:spPr>
+        <p:txBody>
+          <a:bodyPr vert="horz" lIns="91440" tIns="45720" rIns="91440" bIns="45720" rtlCol="0" anchor="ctr">
+            <a:normAutofit/>
+          </a:bodyPr>
+          <a:lstStyle>
+            <a:lvl1pPr algn="l" defTabSz="914400" rtl="0" eaLnBrk="1" latinLnBrk="0" hangingPunct="1">
+              <a:lnSpc>
+                <a:spcPct val="90000"/>
+              </a:lnSpc>
+              <a:spcBef>
+                <a:spcPct val="0"/>
+              </a:spcBef>
+              <a:buNone/>
+              <a:defRPr sz="4400" kern="1200">
+                <a:solidFill>
+                  <a:schemeClr val="tx1"/>
+                </a:solidFill>
+                <a:latin typeface="+mj-lt"/>
+                <a:ea typeface="+mj-ea"/>
+                <a:cs typeface="+mj-cs"/>
+              </a:defRPr>
+            </a:lvl1pPr>
+          </a:lstStyle>
+          <a:p>
+            <a:r>
+              <a:rPr lang="it-IT" dirty="0">
+                <a:latin typeface="Myriad Pro" panose="020B0503030403020204" pitchFamily="34" charset="0"/>
+              </a:rPr>
+              <a:t>EDA</a:t>
+            </a:r>
+          </a:p>
+        </p:txBody>
+      </p:sp>
+      <p:sp>
+        <p:nvSpPr>
+          <p:cNvPr id="9" name="CasellaDiTesto 8">
+            <a:extLst>
+              <a:ext uri="{FF2B5EF4-FFF2-40B4-BE49-F238E27FC236}">
+                <a16:creationId xmlns:a16="http://schemas.microsoft.com/office/drawing/2014/main" id="{E494E8AC-FDBE-C04B-8E3A-AEDA38883FA5}"/>
+              </a:ext>
+            </a:extLst>
+          </p:cNvPr>
+          <p:cNvSpPr txBox="1"/>
+          <p:nvPr/>
+        </p:nvSpPr>
+        <p:spPr>
+          <a:xfrm>
+            <a:off x="693056" y="1389732"/>
+            <a:ext cx="9360230" cy="646331"/>
+          </a:xfrm>
+          <a:prstGeom prst="rect">
+            <a:avLst/>
+          </a:prstGeom>
+          <a:noFill/>
+        </p:spPr>
+        <p:txBody>
+          <a:bodyPr wrap="square" rtlCol="0">
+            <a:spAutoFit/>
+          </a:bodyPr>
+          <a:lstStyle/>
+          <a:p>
+            <a:r>
+              <a:rPr lang="it-IT" dirty="0" err="1">
+                <a:latin typeface="Myriad Pro" panose="020B0503030403020204" pitchFamily="34" charset="0"/>
+              </a:rPr>
+              <a:t>This</a:t>
+            </a:r>
+            <a:r>
+              <a:rPr lang="it-IT" dirty="0">
+                <a:latin typeface="Myriad Pro" panose="020B0503030403020204" pitchFamily="34" charset="0"/>
+              </a:rPr>
+              <a:t> part </a:t>
+            </a:r>
+            <a:r>
+              <a:rPr lang="it-IT" dirty="0" err="1">
+                <a:latin typeface="Myriad Pro" panose="020B0503030403020204" pitchFamily="34" charset="0"/>
+              </a:rPr>
+              <a:t>is</a:t>
+            </a:r>
+            <a:r>
+              <a:rPr lang="it-IT" dirty="0">
+                <a:latin typeface="Myriad Pro" panose="020B0503030403020204" pitchFamily="34" charset="0"/>
+              </a:rPr>
+              <a:t> </a:t>
+            </a:r>
+            <a:r>
+              <a:rPr lang="it-IT" dirty="0" err="1">
+                <a:latin typeface="Myriad Pro" panose="020B0503030403020204" pitchFamily="34" charset="0"/>
+              </a:rPr>
+              <a:t>aimed</a:t>
+            </a:r>
+            <a:r>
+              <a:rPr lang="it-IT" dirty="0">
+                <a:latin typeface="Myriad Pro" panose="020B0503030403020204" pitchFamily="34" charset="0"/>
+              </a:rPr>
+              <a:t> </a:t>
+            </a:r>
+            <a:r>
+              <a:rPr lang="it-IT" dirty="0" err="1">
+                <a:latin typeface="Myriad Pro" panose="020B0503030403020204" pitchFamily="34" charset="0"/>
+              </a:rPr>
+              <a:t>at</a:t>
+            </a:r>
+            <a:r>
+              <a:rPr lang="it-IT" dirty="0">
+                <a:latin typeface="Myriad Pro" panose="020B0503030403020204" pitchFamily="34" charset="0"/>
+              </a:rPr>
+              <a:t> </a:t>
+            </a:r>
+            <a:r>
+              <a:rPr lang="it-IT" dirty="0" err="1">
+                <a:latin typeface="Myriad Pro" panose="020B0503030403020204" pitchFamily="34" charset="0"/>
+              </a:rPr>
+              <a:t>exploring</a:t>
+            </a:r>
+            <a:r>
+              <a:rPr lang="it-IT" dirty="0">
+                <a:latin typeface="Myriad Pro" panose="020B0503030403020204" pitchFamily="34" charset="0"/>
+              </a:rPr>
+              <a:t> the data </a:t>
+            </a:r>
+            <a:r>
+              <a:rPr lang="it-IT" dirty="0" err="1">
+                <a:latin typeface="Myriad Pro" panose="020B0503030403020204" pitchFamily="34" charset="0"/>
+              </a:rPr>
+              <a:t>trying</a:t>
+            </a:r>
+            <a:r>
+              <a:rPr lang="it-IT" dirty="0">
+                <a:latin typeface="Myriad Pro" panose="020B0503030403020204" pitchFamily="34" charset="0"/>
+              </a:rPr>
+              <a:t> to </a:t>
+            </a:r>
+            <a:r>
+              <a:rPr lang="it-IT" dirty="0" err="1">
+                <a:latin typeface="Myriad Pro" panose="020B0503030403020204" pitchFamily="34" charset="0"/>
+              </a:rPr>
+              <a:t>summarize</a:t>
+            </a:r>
+            <a:r>
+              <a:rPr lang="it-IT" dirty="0">
+                <a:latin typeface="Myriad Pro" panose="020B0503030403020204" pitchFamily="34" charset="0"/>
+              </a:rPr>
+              <a:t> the </a:t>
+            </a:r>
+            <a:r>
+              <a:rPr lang="it-IT" dirty="0" err="1">
+                <a:latin typeface="Myriad Pro" panose="020B0503030403020204" pitchFamily="34" charset="0"/>
+              </a:rPr>
+              <a:t>main</a:t>
+            </a:r>
+            <a:r>
+              <a:rPr lang="it-IT" dirty="0">
+                <a:latin typeface="Myriad Pro" panose="020B0503030403020204" pitchFamily="34" charset="0"/>
+              </a:rPr>
+              <a:t> </a:t>
+            </a:r>
+            <a:r>
+              <a:rPr lang="it-IT" dirty="0" err="1">
+                <a:latin typeface="Myriad Pro" panose="020B0503030403020204" pitchFamily="34" charset="0"/>
+              </a:rPr>
+              <a:t>characteristics</a:t>
+            </a:r>
+            <a:r>
+              <a:rPr lang="it-IT" dirty="0">
+                <a:latin typeface="Myriad Pro" panose="020B0503030403020204" pitchFamily="34" charset="0"/>
+              </a:rPr>
+              <a:t>, </a:t>
+            </a:r>
+            <a:r>
+              <a:rPr lang="it-IT" dirty="0" err="1">
+                <a:latin typeface="Myriad Pro" panose="020B0503030403020204" pitchFamily="34" charset="0"/>
+              </a:rPr>
+              <a:t>also</a:t>
+            </a:r>
+            <a:r>
+              <a:rPr lang="it-IT" dirty="0">
+                <a:latin typeface="Myriad Pro" panose="020B0503030403020204" pitchFamily="34" charset="0"/>
+              </a:rPr>
+              <a:t> with </a:t>
+            </a:r>
+            <a:r>
+              <a:rPr lang="it-IT" dirty="0" err="1">
+                <a:latin typeface="Myriad Pro" panose="020B0503030403020204" pitchFamily="34" charset="0"/>
+              </a:rPr>
+              <a:t>visual</a:t>
+            </a:r>
+            <a:r>
+              <a:rPr lang="it-IT" dirty="0">
+                <a:latin typeface="Myriad Pro" panose="020B0503030403020204" pitchFamily="34" charset="0"/>
+              </a:rPr>
+              <a:t> </a:t>
+            </a:r>
+            <a:r>
+              <a:rPr lang="it-IT" dirty="0" err="1">
+                <a:latin typeface="Myriad Pro" panose="020B0503030403020204" pitchFamily="34" charset="0"/>
+              </a:rPr>
+              <a:t>methods</a:t>
+            </a:r>
+            <a:r>
+              <a:rPr lang="it-IT" dirty="0">
+                <a:latin typeface="Myriad Pro" panose="020B0503030403020204" pitchFamily="34" charset="0"/>
+              </a:rPr>
+              <a:t>. First of </a:t>
+            </a:r>
+            <a:r>
+              <a:rPr lang="it-IT" dirty="0" err="1">
+                <a:latin typeface="Myriad Pro" panose="020B0503030403020204" pitchFamily="34" charset="0"/>
+              </a:rPr>
+              <a:t>all</a:t>
+            </a:r>
+            <a:r>
+              <a:rPr lang="it-IT" dirty="0">
+                <a:latin typeface="Myriad Pro" panose="020B0503030403020204" pitchFamily="34" charset="0"/>
+              </a:rPr>
+              <a:t>, </a:t>
+            </a:r>
+            <a:r>
+              <a:rPr lang="it-IT" dirty="0" err="1">
+                <a:latin typeface="Myriad Pro" panose="020B0503030403020204" pitchFamily="34" charset="0"/>
+              </a:rPr>
+              <a:t>we</a:t>
+            </a:r>
+            <a:r>
+              <a:rPr lang="it-IT" dirty="0">
+                <a:latin typeface="Myriad Pro" panose="020B0503030403020204" pitchFamily="34" charset="0"/>
+              </a:rPr>
+              <a:t> </a:t>
+            </a:r>
+            <a:r>
+              <a:rPr lang="it-IT" dirty="0" err="1">
+                <a:latin typeface="Myriad Pro" panose="020B0503030403020204" pitchFamily="34" charset="0"/>
+              </a:rPr>
+              <a:t>ask</a:t>
+            </a:r>
+            <a:r>
+              <a:rPr lang="it-IT" dirty="0">
+                <a:latin typeface="Myriad Pro" panose="020B0503030403020204" pitchFamily="34" charset="0"/>
+              </a:rPr>
+              <a:t> for a </a:t>
+            </a:r>
+            <a:r>
+              <a:rPr lang="it-IT" dirty="0" err="1">
+                <a:latin typeface="Myriad Pro" panose="020B0503030403020204" pitchFamily="34" charset="0"/>
+              </a:rPr>
+              <a:t>summary</a:t>
+            </a:r>
+            <a:r>
+              <a:rPr lang="it-IT" dirty="0">
+                <a:latin typeface="Myriad Pro" panose="020B0503030403020204" pitchFamily="34" charset="0"/>
+              </a:rPr>
+              <a:t> of the data </a:t>
+            </a:r>
+            <a:r>
+              <a:rPr lang="it-IT" dirty="0" err="1">
+                <a:latin typeface="Myriad Pro" panose="020B0503030403020204" pitchFamily="34" charset="0"/>
+              </a:rPr>
+              <a:t>we</a:t>
+            </a:r>
+            <a:r>
+              <a:rPr lang="it-IT" dirty="0">
+                <a:latin typeface="Myriad Pro" panose="020B0503030403020204" pitchFamily="34" charset="0"/>
+              </a:rPr>
+              <a:t> </a:t>
+            </a:r>
+            <a:r>
+              <a:rPr lang="it-IT" dirty="0" err="1">
+                <a:latin typeface="Myriad Pro" panose="020B0503030403020204" pitchFamily="34" charset="0"/>
+              </a:rPr>
+              <a:t>have</a:t>
+            </a:r>
+            <a:r>
+              <a:rPr lang="it-IT" dirty="0">
+                <a:latin typeface="Myriad Pro" panose="020B0503030403020204" pitchFamily="34" charset="0"/>
+              </a:rPr>
+              <a:t> so far.</a:t>
+            </a:r>
+          </a:p>
+        </p:txBody>
+      </p:sp>
+      <p:pic>
+        <p:nvPicPr>
+          <p:cNvPr id="11" name="Immagine 10">
+            <a:extLst>
+              <a:ext uri="{FF2B5EF4-FFF2-40B4-BE49-F238E27FC236}">
+                <a16:creationId xmlns:a16="http://schemas.microsoft.com/office/drawing/2014/main" id="{C42A764F-DB0A-114A-84D1-32290E1B5CC3}"/>
+              </a:ext>
+            </a:extLst>
+          </p:cNvPr>
+          <p:cNvPicPr>
+            <a:picLocks noChangeAspect="1"/>
+          </p:cNvPicPr>
+          <p:nvPr/>
+        </p:nvPicPr>
+        <p:blipFill>
+          <a:blip r:embed="rId2"/>
+          <a:stretch>
+            <a:fillRect/>
+          </a:stretch>
+        </p:blipFill>
+        <p:spPr>
+          <a:xfrm>
+            <a:off x="1153540" y="2334022"/>
+            <a:ext cx="9594631" cy="3724368"/>
+          </a:xfrm>
+          <a:prstGeom prst="rect">
+            <a:avLst/>
+          </a:prstGeom>
+        </p:spPr>
+      </p:pic>
     </p:spTree>
     <p:extLst>
       <p:ext uri="{BB962C8B-B14F-4D97-AF65-F5344CB8AC3E}">
@@ -3836,34 +4143,6 @@
       </p:grpSpPr>
       <p:sp>
         <p:nvSpPr>
-          <p:cNvPr id="2" name="Titolo 1">
-            <a:extLst>
-              <a:ext uri="{FF2B5EF4-FFF2-40B4-BE49-F238E27FC236}">
-                <a16:creationId xmlns:a16="http://schemas.microsoft.com/office/drawing/2014/main" id="{A3FB740D-9675-704C-A803-611D8A52BCDA}"/>
-              </a:ext>
-            </a:extLst>
-          </p:cNvPr>
-          <p:cNvSpPr>
-            <a:spLocks noGrp="1"/>
-          </p:cNvSpPr>
-          <p:nvPr>
-            <p:ph type="title"/>
-          </p:nvPr>
-        </p:nvSpPr>
-        <p:spPr/>
-        <p:txBody>
-          <a:bodyPr/>
-          <a:lstStyle/>
-          <a:p>
-            <a:r>
-              <a:rPr lang="it-IT" dirty="0"/>
-              <a:t>Mappa delle case</a:t>
-            </a:r>
-          </a:p>
-        </p:txBody>
-      </p:sp>
-      <p:sp>
-        <p:nvSpPr>
           <p:cNvPr id="4" name="Segnaposto data 3">
             <a:extLst>
               <a:ext uri="{FF2B5EF4-FFF2-40B4-BE49-F238E27FC236}">
@@ -3955,6 +4234,949 @@
             <a:endParaRPr lang="it-IT">
               <a:latin typeface="Myriad Pro" panose="020B0503030403020204" pitchFamily="34" charset="0"/>
             </a:endParaRPr>
+          </a:p>
+        </p:txBody>
+      </p:sp>
+      <p:sp>
+        <p:nvSpPr>
+          <p:cNvPr id="10" name="Titolo 6">
+            <a:extLst>
+              <a:ext uri="{FF2B5EF4-FFF2-40B4-BE49-F238E27FC236}">
+                <a16:creationId xmlns:a16="http://schemas.microsoft.com/office/drawing/2014/main" id="{3D845B6E-4B98-E640-95C6-7C3DC8FF13BD}"/>
+              </a:ext>
+            </a:extLst>
+          </p:cNvPr>
+          <p:cNvSpPr txBox="1">
+            <a:spLocks/>
+          </p:cNvSpPr>
+          <p:nvPr/>
+        </p:nvSpPr>
+        <p:spPr>
+          <a:xfrm>
+            <a:off x="580901" y="476479"/>
+            <a:ext cx="5515099" cy="834283"/>
+          </a:xfrm>
+          <a:prstGeom prst="rect">
+            <a:avLst/>
+          </a:prstGeom>
+        </p:spPr>
+        <p:txBody>
+          <a:bodyPr vert="horz" lIns="91440" tIns="45720" rIns="91440" bIns="45720" rtlCol="0" anchor="ctr">
+            <a:normAutofit/>
+          </a:bodyPr>
+          <a:lstStyle>
+            <a:lvl1pPr algn="l" defTabSz="914400" rtl="0" eaLnBrk="1" latinLnBrk="0" hangingPunct="1">
+              <a:lnSpc>
+                <a:spcPct val="90000"/>
+              </a:lnSpc>
+              <a:spcBef>
+                <a:spcPct val="0"/>
+              </a:spcBef>
+              <a:buNone/>
+              <a:defRPr sz="4400" kern="1200">
+                <a:solidFill>
+                  <a:schemeClr val="tx1"/>
+                </a:solidFill>
+                <a:latin typeface="+mj-lt"/>
+                <a:ea typeface="+mj-ea"/>
+                <a:cs typeface="+mj-cs"/>
+              </a:defRPr>
+            </a:lvl1pPr>
+          </a:lstStyle>
+          <a:p>
+            <a:r>
+              <a:rPr lang="it-IT" sz="2000" b="1" dirty="0" err="1">
+                <a:latin typeface="Myriad Pro" panose="020B0503030403020204" pitchFamily="34" charset="0"/>
+              </a:rPr>
+              <a:t>price</a:t>
+            </a:r>
+            <a:endParaRPr lang="it-IT" sz="2000" b="1" dirty="0">
+              <a:latin typeface="Myriad Pro" panose="020B0503030403020204" pitchFamily="34" charset="0"/>
+            </a:endParaRPr>
+          </a:p>
+        </p:txBody>
+      </p:sp>
+      <p:sp>
+        <p:nvSpPr>
+          <p:cNvPr id="12" name="CasellaDiTesto 11">
+            <a:extLst>
+              <a:ext uri="{FF2B5EF4-FFF2-40B4-BE49-F238E27FC236}">
+                <a16:creationId xmlns:a16="http://schemas.microsoft.com/office/drawing/2014/main" id="{2A401EB6-6139-DE4A-856A-3E234573BAEF}"/>
+              </a:ext>
+            </a:extLst>
+          </p:cNvPr>
+          <p:cNvSpPr txBox="1"/>
+          <p:nvPr/>
+        </p:nvSpPr>
+        <p:spPr>
+          <a:xfrm>
+            <a:off x="580901" y="1310762"/>
+            <a:ext cx="9360230" cy="1754326"/>
+          </a:xfrm>
+          <a:prstGeom prst="rect">
+            <a:avLst/>
+          </a:prstGeom>
+          <a:noFill/>
+        </p:spPr>
+        <p:txBody>
+          <a:bodyPr wrap="square" rtlCol="0">
+            <a:spAutoFit/>
+          </a:bodyPr>
+          <a:lstStyle/>
+          <a:p>
+            <a:r>
+              <a:rPr lang="it-IT" dirty="0">
+                <a:latin typeface="Myriad Pro" panose="020B0503030403020204" pitchFamily="34" charset="0"/>
+              </a:rPr>
+              <a:t>The </a:t>
+            </a:r>
+            <a:r>
+              <a:rPr lang="it-IT" dirty="0" err="1">
+                <a:latin typeface="Myriad Pro" panose="020B0503030403020204" pitchFamily="34" charset="0"/>
+              </a:rPr>
+              <a:t>values</a:t>
+            </a:r>
+            <a:r>
+              <a:rPr lang="it-IT" dirty="0">
+                <a:latin typeface="Myriad Pro" panose="020B0503030403020204" pitchFamily="34" charset="0"/>
+              </a:rPr>
+              <a:t> of </a:t>
+            </a:r>
+            <a:r>
+              <a:rPr lang="it-IT" dirty="0" err="1">
+                <a:latin typeface="Myriad Pro" panose="020B0503030403020204" pitchFamily="34" charset="0"/>
+              </a:rPr>
+              <a:t>price</a:t>
+            </a:r>
+            <a:r>
+              <a:rPr lang="it-IT" dirty="0">
+                <a:latin typeface="Myriad Pro" panose="020B0503030403020204" pitchFamily="34" charset="0"/>
+              </a:rPr>
+              <a:t> go from 75K $ to 7.7mln $, </a:t>
+            </a:r>
+            <a:r>
+              <a:rPr lang="it-IT" dirty="0" err="1">
+                <a:latin typeface="Myriad Pro" panose="020B0503030403020204" pitchFamily="34" charset="0"/>
+              </a:rPr>
+              <a:t>which</a:t>
+            </a:r>
+            <a:r>
+              <a:rPr lang="it-IT" dirty="0">
+                <a:latin typeface="Myriad Pro" panose="020B0503030403020204" pitchFamily="34" charset="0"/>
+              </a:rPr>
+              <a:t> </a:t>
+            </a:r>
+            <a:r>
+              <a:rPr lang="it-IT" dirty="0" err="1">
+                <a:latin typeface="Myriad Pro" panose="020B0503030403020204" pitchFamily="34" charset="0"/>
+              </a:rPr>
+              <a:t>is</a:t>
+            </a:r>
+            <a:r>
+              <a:rPr lang="it-IT" dirty="0">
+                <a:latin typeface="Myriad Pro" panose="020B0503030403020204" pitchFamily="34" charset="0"/>
+              </a:rPr>
+              <a:t> </a:t>
+            </a:r>
+            <a:r>
+              <a:rPr lang="it-IT" dirty="0" err="1">
+                <a:latin typeface="Myriad Pro" panose="020B0503030403020204" pitchFamily="34" charset="0"/>
+              </a:rPr>
+              <a:t>completely</a:t>
+            </a:r>
+            <a:r>
+              <a:rPr lang="it-IT" dirty="0">
+                <a:latin typeface="Myriad Pro" panose="020B0503030403020204" pitchFamily="34" charset="0"/>
+              </a:rPr>
+              <a:t> a </a:t>
+            </a:r>
+            <a:r>
+              <a:rPr lang="it-IT" dirty="0" err="1">
+                <a:latin typeface="Myriad Pro" panose="020B0503030403020204" pitchFamily="34" charset="0"/>
+              </a:rPr>
+              <a:t>different</a:t>
+            </a:r>
+            <a:r>
+              <a:rPr lang="it-IT" dirty="0">
+                <a:latin typeface="Myriad Pro" panose="020B0503030403020204" pitchFamily="34" charset="0"/>
+              </a:rPr>
+              <a:t> market with </a:t>
+            </a:r>
+            <a:r>
+              <a:rPr lang="it-IT" dirty="0" err="1">
+                <a:latin typeface="Myriad Pro" panose="020B0503030403020204" pitchFamily="34" charset="0"/>
+              </a:rPr>
+              <a:t>other</a:t>
+            </a:r>
+            <a:r>
+              <a:rPr lang="it-IT" dirty="0">
+                <a:latin typeface="Myriad Pro" panose="020B0503030403020204" pitchFamily="34" charset="0"/>
+              </a:rPr>
+              <a:t> </a:t>
+            </a:r>
+            <a:r>
+              <a:rPr lang="it-IT" dirty="0" err="1">
+                <a:latin typeface="Myriad Pro" panose="020B0503030403020204" pitchFamily="34" charset="0"/>
+              </a:rPr>
+              <a:t>components</a:t>
+            </a:r>
+            <a:r>
+              <a:rPr lang="it-IT" dirty="0">
+                <a:latin typeface="Myriad Pro" panose="020B0503030403020204" pitchFamily="34" charset="0"/>
+              </a:rPr>
+              <a:t> </a:t>
+            </a:r>
+            <a:r>
+              <a:rPr lang="it-IT" dirty="0" err="1">
+                <a:latin typeface="Myriad Pro" panose="020B0503030403020204" pitchFamily="34" charset="0"/>
+              </a:rPr>
+              <a:t>that</a:t>
+            </a:r>
+            <a:r>
+              <a:rPr lang="it-IT" dirty="0">
+                <a:latin typeface="Myriad Pro" panose="020B0503030403020204" pitchFamily="34" charset="0"/>
+              </a:rPr>
+              <a:t> </a:t>
+            </a:r>
+            <a:r>
+              <a:rPr lang="it-IT" dirty="0" err="1">
+                <a:latin typeface="Myriad Pro" panose="020B0503030403020204" pitchFamily="34" charset="0"/>
+              </a:rPr>
+              <a:t>determine</a:t>
+            </a:r>
+            <a:r>
+              <a:rPr lang="it-IT" dirty="0">
+                <a:latin typeface="Myriad Pro" panose="020B0503030403020204" pitchFamily="34" charset="0"/>
+              </a:rPr>
+              <a:t> the </a:t>
+            </a:r>
+            <a:r>
+              <a:rPr lang="it-IT" dirty="0" err="1">
+                <a:latin typeface="Myriad Pro" panose="020B0503030403020204" pitchFamily="34" charset="0"/>
+              </a:rPr>
+              <a:t>final</a:t>
+            </a:r>
+            <a:r>
+              <a:rPr lang="it-IT" dirty="0">
+                <a:latin typeface="Myriad Pro" panose="020B0503030403020204" pitchFamily="34" charset="0"/>
+              </a:rPr>
+              <a:t> </a:t>
+            </a:r>
+            <a:r>
+              <a:rPr lang="it-IT" dirty="0" err="1">
+                <a:latin typeface="Myriad Pro" panose="020B0503030403020204" pitchFamily="34" charset="0"/>
+              </a:rPr>
+              <a:t>price</a:t>
+            </a:r>
+            <a:r>
+              <a:rPr lang="it-IT" dirty="0">
+                <a:latin typeface="Myriad Pro" panose="020B0503030403020204" pitchFamily="34" charset="0"/>
+              </a:rPr>
+              <a:t>. </a:t>
+            </a:r>
+            <a:r>
+              <a:rPr lang="it-IT" dirty="0" err="1">
+                <a:latin typeface="Myriad Pro" panose="020B0503030403020204" pitchFamily="34" charset="0"/>
+              </a:rPr>
+              <a:t>We</a:t>
+            </a:r>
+            <a:r>
+              <a:rPr lang="it-IT" dirty="0">
+                <a:latin typeface="Myriad Pro" panose="020B0503030403020204" pitchFamily="34" charset="0"/>
+              </a:rPr>
+              <a:t> </a:t>
+            </a:r>
+            <a:r>
+              <a:rPr lang="it-IT" dirty="0" err="1">
+                <a:latin typeface="Myriad Pro" panose="020B0503030403020204" pitchFamily="34" charset="0"/>
+              </a:rPr>
+              <a:t>want</a:t>
+            </a:r>
+            <a:r>
+              <a:rPr lang="it-IT" dirty="0">
+                <a:latin typeface="Myriad Pro" panose="020B0503030403020204" pitchFamily="34" charset="0"/>
+              </a:rPr>
+              <a:t> to delete </a:t>
+            </a:r>
+            <a:r>
+              <a:rPr lang="it-IT" dirty="0" err="1">
+                <a:latin typeface="Myriad Pro" panose="020B0503030403020204" pitchFamily="34" charset="0"/>
+              </a:rPr>
+              <a:t>outliers</a:t>
+            </a:r>
+            <a:r>
+              <a:rPr lang="it-IT" dirty="0">
+                <a:latin typeface="Myriad Pro" panose="020B0503030403020204" pitchFamily="34" charset="0"/>
+              </a:rPr>
+              <a:t> (</a:t>
+            </a:r>
+            <a:r>
+              <a:rPr lang="it-IT" dirty="0" err="1">
+                <a:latin typeface="Myriad Pro" panose="020B0503030403020204" pitchFamily="34" charset="0"/>
+              </a:rPr>
+              <a:t>less</a:t>
+            </a:r>
+            <a:r>
+              <a:rPr lang="it-IT" dirty="0">
+                <a:latin typeface="Myriad Pro" panose="020B0503030403020204" pitchFamily="34" charset="0"/>
+              </a:rPr>
+              <a:t> </a:t>
+            </a:r>
+            <a:r>
+              <a:rPr lang="it-IT" dirty="0" err="1">
+                <a:latin typeface="Myriad Pro" panose="020B0503030403020204" pitchFamily="34" charset="0"/>
+              </a:rPr>
+              <a:t>than</a:t>
+            </a:r>
+            <a:r>
+              <a:rPr lang="it-IT" dirty="0">
+                <a:latin typeface="Myriad Pro" panose="020B0503030403020204" pitchFamily="34" charset="0"/>
+              </a:rPr>
+              <a:t> 5% of the data), </a:t>
+            </a:r>
+            <a:r>
+              <a:rPr lang="it-IT" dirty="0" err="1">
+                <a:latin typeface="Myriad Pro" panose="020B0503030403020204" pitchFamily="34" charset="0"/>
+              </a:rPr>
+              <a:t>working</a:t>
+            </a:r>
+            <a:r>
+              <a:rPr lang="it-IT" dirty="0">
+                <a:latin typeface="Myriad Pro" panose="020B0503030403020204" pitchFamily="34" charset="0"/>
+              </a:rPr>
+              <a:t> with </a:t>
+            </a:r>
+            <a:r>
+              <a:rPr lang="it-IT" dirty="0" err="1">
+                <a:latin typeface="Myriad Pro" panose="020B0503030403020204" pitchFamily="34" charset="0"/>
+              </a:rPr>
+              <a:t>instances</a:t>
+            </a:r>
+            <a:r>
+              <a:rPr lang="it-IT" dirty="0">
+                <a:latin typeface="Myriad Pro" panose="020B0503030403020204" pitchFamily="34" charset="0"/>
+              </a:rPr>
+              <a:t> </a:t>
+            </a:r>
+            <a:r>
+              <a:rPr lang="it-IT" dirty="0" err="1">
+                <a:latin typeface="Myriad Pro" panose="020B0503030403020204" pitchFamily="34" charset="0"/>
+              </a:rPr>
+              <a:t>belonging</a:t>
+            </a:r>
+            <a:r>
+              <a:rPr lang="it-IT" dirty="0">
+                <a:latin typeface="Myriad Pro" panose="020B0503030403020204" pitchFamily="34" charset="0"/>
+              </a:rPr>
+              <a:t> to the </a:t>
+            </a:r>
+            <a:r>
+              <a:rPr lang="it-IT" dirty="0" err="1">
+                <a:latin typeface="Myriad Pro" panose="020B0503030403020204" pitchFamily="34" charset="0"/>
+              </a:rPr>
+              <a:t>same</a:t>
+            </a:r>
+            <a:r>
+              <a:rPr lang="it-IT" dirty="0">
+                <a:latin typeface="Myriad Pro" panose="020B0503030403020204" pitchFamily="34" charset="0"/>
+              </a:rPr>
+              <a:t> market.</a:t>
+            </a:r>
+          </a:p>
+          <a:p>
+            <a:endParaRPr lang="it-IT" dirty="0">
+              <a:latin typeface="Myriad Pro" panose="020B0503030403020204" pitchFamily="34" charset="0"/>
+            </a:endParaRPr>
+          </a:p>
+          <a:p>
+            <a:r>
+              <a:rPr lang="it-IT" dirty="0" err="1">
+                <a:latin typeface="Myriad Pro" panose="020B0503030403020204" pitchFamily="34" charset="0"/>
+              </a:rPr>
+              <a:t>Then</a:t>
+            </a:r>
+            <a:r>
+              <a:rPr lang="it-IT" dirty="0">
+                <a:latin typeface="Myriad Pro" panose="020B0503030403020204" pitchFamily="34" charset="0"/>
+              </a:rPr>
+              <a:t>, from the plot </a:t>
+            </a:r>
+            <a:r>
+              <a:rPr lang="it-IT" dirty="0" err="1">
+                <a:latin typeface="Myriad Pro" panose="020B0503030403020204" pitchFamily="34" charset="0"/>
+              </a:rPr>
+              <a:t>we</a:t>
+            </a:r>
+            <a:r>
+              <a:rPr lang="it-IT" dirty="0">
+                <a:latin typeface="Myriad Pro" panose="020B0503030403020204" pitchFamily="34" charset="0"/>
+              </a:rPr>
+              <a:t> </a:t>
+            </a:r>
+            <a:r>
+              <a:rPr lang="it-IT" dirty="0" err="1">
+                <a:latin typeface="Myriad Pro" panose="020B0503030403020204" pitchFamily="34" charset="0"/>
+              </a:rPr>
+              <a:t>notice</a:t>
+            </a:r>
+            <a:r>
+              <a:rPr lang="it-IT" dirty="0">
+                <a:latin typeface="Myriad Pro" panose="020B0503030403020204" pitchFamily="34" charset="0"/>
+              </a:rPr>
+              <a:t> </a:t>
+            </a:r>
+            <a:r>
+              <a:rPr lang="it-IT" dirty="0" err="1">
+                <a:latin typeface="Myriad Pro" panose="020B0503030403020204" pitchFamily="34" charset="0"/>
+              </a:rPr>
+              <a:t>that</a:t>
+            </a:r>
+            <a:r>
+              <a:rPr lang="it-IT" dirty="0">
+                <a:latin typeface="Myriad Pro" panose="020B0503030403020204" pitchFamily="34" charset="0"/>
+              </a:rPr>
+              <a:t> </a:t>
+            </a:r>
+            <a:r>
+              <a:rPr lang="it-IT" i="1" dirty="0" err="1">
+                <a:latin typeface="Myriad Pro" panose="020B0503030403020204" pitchFamily="34" charset="0"/>
+              </a:rPr>
+              <a:t>price</a:t>
+            </a:r>
+            <a:r>
+              <a:rPr lang="it-IT" dirty="0">
+                <a:latin typeface="Myriad Pro" panose="020B0503030403020204" pitchFamily="34" charset="0"/>
+              </a:rPr>
+              <a:t> </a:t>
+            </a:r>
+            <a:r>
+              <a:rPr lang="it-IT" dirty="0" err="1">
+                <a:latin typeface="Myriad Pro" panose="020B0503030403020204" pitchFamily="34" charset="0"/>
+              </a:rPr>
+              <a:t>distribution</a:t>
+            </a:r>
+            <a:r>
+              <a:rPr lang="it-IT" dirty="0">
+                <a:latin typeface="Myriad Pro" panose="020B0503030403020204" pitchFamily="34" charset="0"/>
+              </a:rPr>
+              <a:t> </a:t>
+            </a:r>
+            <a:r>
+              <a:rPr lang="it-IT" dirty="0" err="1">
+                <a:latin typeface="Myriad Pro" panose="020B0503030403020204" pitchFamily="34" charset="0"/>
+              </a:rPr>
+              <a:t>is</a:t>
+            </a:r>
+            <a:r>
+              <a:rPr lang="it-IT" dirty="0">
+                <a:latin typeface="Myriad Pro" panose="020B0503030403020204" pitchFamily="34" charset="0"/>
+              </a:rPr>
+              <a:t> </a:t>
+            </a:r>
+            <a:r>
+              <a:rPr lang="it-IT" dirty="0" err="1">
+                <a:latin typeface="Myriad Pro" panose="020B0503030403020204" pitchFamily="34" charset="0"/>
+              </a:rPr>
+              <a:t>really</a:t>
+            </a:r>
+            <a:r>
+              <a:rPr lang="it-IT" dirty="0">
+                <a:latin typeface="Myriad Pro" panose="020B0503030403020204" pitchFamily="34" charset="0"/>
+              </a:rPr>
+              <a:t> right-</a:t>
+            </a:r>
+            <a:r>
+              <a:rPr lang="it-IT" dirty="0" err="1">
+                <a:latin typeface="Myriad Pro" panose="020B0503030403020204" pitchFamily="34" charset="0"/>
+              </a:rPr>
+              <a:t>skewed</a:t>
+            </a:r>
+            <a:r>
+              <a:rPr lang="it-IT" dirty="0">
+                <a:latin typeface="Myriad Pro" panose="020B0503030403020204" pitchFamily="34" charset="0"/>
+              </a:rPr>
+              <a:t>, so </a:t>
+            </a:r>
+            <a:r>
+              <a:rPr lang="it-IT" dirty="0" err="1">
+                <a:latin typeface="Myriad Pro" panose="020B0503030403020204" pitchFamily="34" charset="0"/>
+              </a:rPr>
+              <a:t>we</a:t>
+            </a:r>
+            <a:r>
+              <a:rPr lang="it-IT" dirty="0">
+                <a:latin typeface="Myriad Pro" panose="020B0503030403020204" pitchFamily="34" charset="0"/>
+              </a:rPr>
+              <a:t> </a:t>
+            </a:r>
+            <a:r>
+              <a:rPr lang="it-IT" dirty="0" err="1">
+                <a:latin typeface="Myriad Pro" panose="020B0503030403020204" pitchFamily="34" charset="0"/>
+              </a:rPr>
+              <a:t>apply</a:t>
+            </a:r>
+            <a:r>
+              <a:rPr lang="it-IT" dirty="0">
+                <a:latin typeface="Myriad Pro" panose="020B0503030403020204" pitchFamily="34" charset="0"/>
+              </a:rPr>
+              <a:t> a log </a:t>
+            </a:r>
+            <a:r>
+              <a:rPr lang="it-IT" dirty="0" err="1">
+                <a:latin typeface="Myriad Pro" panose="020B0503030403020204" pitchFamily="34" charset="0"/>
+              </a:rPr>
+              <a:t>transform</a:t>
+            </a:r>
+            <a:r>
+              <a:rPr lang="it-IT" dirty="0">
+                <a:latin typeface="Myriad Pro" panose="020B0503030403020204" pitchFamily="34" charset="0"/>
+              </a:rPr>
+              <a:t> to </a:t>
+            </a:r>
+            <a:r>
+              <a:rPr lang="it-IT" dirty="0" err="1">
+                <a:latin typeface="Myriad Pro" panose="020B0503030403020204" pitchFamily="34" charset="0"/>
+              </a:rPr>
+              <a:t>get</a:t>
+            </a:r>
+            <a:r>
+              <a:rPr lang="it-IT" dirty="0">
+                <a:latin typeface="Myriad Pro" panose="020B0503030403020204" pitchFamily="34" charset="0"/>
+              </a:rPr>
+              <a:t> a </a:t>
+            </a:r>
+            <a:r>
+              <a:rPr lang="it-IT" dirty="0" err="1">
+                <a:latin typeface="Myriad Pro" panose="020B0503030403020204" pitchFamily="34" charset="0"/>
+              </a:rPr>
+              <a:t>Normal</a:t>
+            </a:r>
+            <a:r>
+              <a:rPr lang="it-IT" dirty="0">
+                <a:latin typeface="Myriad Pro" panose="020B0503030403020204" pitchFamily="34" charset="0"/>
+              </a:rPr>
+              <a:t> </a:t>
+            </a:r>
+            <a:r>
+              <a:rPr lang="it-IT" dirty="0" err="1">
+                <a:latin typeface="Myriad Pro" panose="020B0503030403020204" pitchFamily="34" charset="0"/>
+              </a:rPr>
+              <a:t>distribution</a:t>
+            </a:r>
+            <a:r>
+              <a:rPr lang="it-IT" dirty="0">
+                <a:latin typeface="Myriad Pro" panose="020B0503030403020204" pitchFamily="34" charset="0"/>
+              </a:rPr>
+              <a:t> of the target </a:t>
+            </a:r>
+            <a:r>
+              <a:rPr lang="it-IT" dirty="0" err="1">
+                <a:latin typeface="Myriad Pro" panose="020B0503030403020204" pitchFamily="34" charset="0"/>
+              </a:rPr>
+              <a:t>value</a:t>
+            </a:r>
+            <a:r>
+              <a:rPr lang="it-IT" dirty="0">
+                <a:latin typeface="Myriad Pro" panose="020B0503030403020204" pitchFamily="34" charset="0"/>
+              </a:rPr>
+              <a:t>. </a:t>
+            </a:r>
+          </a:p>
+        </p:txBody>
+      </p:sp>
+      <p:sp>
+        <p:nvSpPr>
+          <p:cNvPr id="13" name="CasellaDiTesto 12">
+            <a:extLst>
+              <a:ext uri="{FF2B5EF4-FFF2-40B4-BE49-F238E27FC236}">
+                <a16:creationId xmlns:a16="http://schemas.microsoft.com/office/drawing/2014/main" id="{3263F4B9-401B-1142-ACFC-8508350A78E2}"/>
+              </a:ext>
+            </a:extLst>
+          </p:cNvPr>
+          <p:cNvSpPr txBox="1"/>
+          <p:nvPr/>
+        </p:nvSpPr>
+        <p:spPr>
+          <a:xfrm>
+            <a:off x="733301" y="3586251"/>
+            <a:ext cx="9360230" cy="369332"/>
+          </a:xfrm>
+          <a:prstGeom prst="rect">
+            <a:avLst/>
+          </a:prstGeom>
+          <a:noFill/>
+        </p:spPr>
+        <p:txBody>
+          <a:bodyPr wrap="square" rtlCol="0">
+            <a:spAutoFit/>
+          </a:bodyPr>
+          <a:lstStyle/>
+          <a:p>
+            <a:r>
+              <a:rPr lang="it-IT" dirty="0" err="1">
+                <a:latin typeface="Myriad Pro" panose="020B0503030403020204" pitchFamily="34" charset="0"/>
+              </a:rPr>
+              <a:t>Hist</a:t>
+            </a:r>
+            <a:r>
+              <a:rPr lang="it-IT" dirty="0">
+                <a:latin typeface="Myriad Pro" panose="020B0503030403020204" pitchFamily="34" charset="0"/>
+              </a:rPr>
+              <a:t> prima </a:t>
+            </a:r>
+            <a:r>
+              <a:rPr lang="it-IT" dirty="0">
+                <a:latin typeface="Myriad Pro" panose="020B0503030403020204" pitchFamily="34" charset="0"/>
+                <a:sym typeface="Wingdings" pitchFamily="2" charset="2"/>
+              </a:rPr>
+              <a:t> </a:t>
+            </a:r>
+            <a:r>
+              <a:rPr lang="it-IT" dirty="0" err="1">
+                <a:latin typeface="Myriad Pro" panose="020B0503030403020204" pitchFamily="34" charset="0"/>
+                <a:sym typeface="Wingdings" pitchFamily="2" charset="2"/>
+              </a:rPr>
+              <a:t>hist</a:t>
+            </a:r>
+            <a:r>
+              <a:rPr lang="it-IT" dirty="0">
+                <a:latin typeface="Myriad Pro" panose="020B0503030403020204" pitchFamily="34" charset="0"/>
+                <a:sym typeface="Wingdings" pitchFamily="2" charset="2"/>
+              </a:rPr>
+              <a:t> dopo</a:t>
+            </a:r>
+            <a:endParaRPr lang="it-IT" dirty="0">
+              <a:latin typeface="Myriad Pro" panose="020B0503030403020204" pitchFamily="34" charset="0"/>
+            </a:endParaRPr>
+          </a:p>
+        </p:txBody>
+      </p:sp>
+    </p:spTree>
+    <p:extLst>
+      <p:ext uri="{BB962C8B-B14F-4D97-AF65-F5344CB8AC3E}">
+        <p14:creationId xmlns:p14="http://schemas.microsoft.com/office/powerpoint/2010/main" val="1508556977"/>
+      </p:ext>
+    </p:extLst>
+  </p:cSld>
+  <p:clrMapOvr>
+    <a:masterClrMapping/>
+  </p:clrMapOvr>
+</p:sld>
+</file>
+
+<file path=ppt/slides/slide12.xml><?xml version="1.0" encoding="utf-8"?>
+<p:sld xmlns:a="http://schemas.openxmlformats.org/drawingml/2006/main" xmlns:r="http://schemas.openxmlformats.org/officeDocument/2006/relationships" xmlns:p="http://schemas.openxmlformats.org/presentationml/2006/main">
+  <p:cSld>
+    <p:spTree>
+      <p:nvGrpSpPr>
+        <p:cNvPr id="1" name=""/>
+        <p:cNvGrpSpPr/>
+        <p:nvPr/>
+      </p:nvGrpSpPr>
+      <p:grpSpPr>
+        <a:xfrm>
+          <a:off x="0" y="0"/>
+          <a:ext cx="0" cy="0"/>
+          <a:chOff x="0" y="0"/>
+          <a:chExt cx="0" cy="0"/>
+        </a:xfrm>
+      </p:grpSpPr>
+      <p:sp>
+        <p:nvSpPr>
+          <p:cNvPr id="4" name="Segnaposto data 3">
+            <a:extLst>
+              <a:ext uri="{FF2B5EF4-FFF2-40B4-BE49-F238E27FC236}">
+                <a16:creationId xmlns:a16="http://schemas.microsoft.com/office/drawing/2014/main" id="{6D90B06B-C6A6-6245-9143-06C5372C8F41}"/>
+              </a:ext>
+            </a:extLst>
+          </p:cNvPr>
+          <p:cNvSpPr>
+            <a:spLocks noGrp="1"/>
+          </p:cNvSpPr>
+          <p:nvPr>
+            <p:ph type="dt" sz="half" idx="10"/>
+          </p:nvPr>
+        </p:nvSpPr>
+        <p:spPr/>
+        <p:txBody>
+          <a:bodyPr/>
+          <a:lstStyle/>
+          <a:p>
+            <a:fld id="{704D241D-E985-2340-A188-8AC1BDCB46D7}" type="datetime4">
+              <a:rPr lang="it-IT" smtClean="0"/>
+              <a:t>27 maggio 2019</a:t>
+            </a:fld>
+            <a:endParaRPr lang="it-IT"/>
+          </a:p>
+        </p:txBody>
+      </p:sp>
+      <p:sp>
+        <p:nvSpPr>
+          <p:cNvPr id="5" name="Segnaposto piè di pagina 4">
+            <a:extLst>
+              <a:ext uri="{FF2B5EF4-FFF2-40B4-BE49-F238E27FC236}">
+                <a16:creationId xmlns:a16="http://schemas.microsoft.com/office/drawing/2014/main" id="{F9679532-4C92-9545-9770-C7091CBBCB09}"/>
+              </a:ext>
+            </a:extLst>
+          </p:cNvPr>
+          <p:cNvSpPr>
+            <a:spLocks noGrp="1"/>
+          </p:cNvSpPr>
+          <p:nvPr>
+            <p:ph type="ftr" sz="quarter" idx="11"/>
+          </p:nvPr>
+        </p:nvSpPr>
+        <p:spPr/>
+        <p:txBody>
+          <a:bodyPr/>
+          <a:lstStyle/>
+          <a:p>
+            <a:r>
+              <a:rPr lang="it-IT"/>
+              <a:t>Statistical Learning (mod. B)</a:t>
+            </a:r>
+          </a:p>
+        </p:txBody>
+      </p:sp>
+      <p:sp>
+        <p:nvSpPr>
+          <p:cNvPr id="6" name="Segnaposto numero diapositiva 5">
+            <a:extLst>
+              <a:ext uri="{FF2B5EF4-FFF2-40B4-BE49-F238E27FC236}">
+                <a16:creationId xmlns:a16="http://schemas.microsoft.com/office/drawing/2014/main" id="{0CEBB71D-ACB3-0E48-8AD5-69067EB5E995}"/>
+              </a:ext>
+            </a:extLst>
+          </p:cNvPr>
+          <p:cNvSpPr>
+            <a:spLocks noGrp="1"/>
+          </p:cNvSpPr>
+          <p:nvPr>
+            <p:ph type="sldNum" sz="quarter" idx="12"/>
+          </p:nvPr>
+        </p:nvSpPr>
+        <p:spPr/>
+        <p:txBody>
+          <a:bodyPr/>
+          <a:lstStyle/>
+          <a:p>
+            <a:fld id="{4408E049-D76D-BA45-8401-D3912C3F51E8}" type="slidenum">
+              <a:rPr lang="it-IT" smtClean="0"/>
+              <a:t>12</a:t>
+            </a:fld>
+            <a:endParaRPr lang="it-IT"/>
+          </a:p>
+        </p:txBody>
+      </p:sp>
+      <p:sp>
+        <p:nvSpPr>
+          <p:cNvPr id="7" name="Titolo 6">
+            <a:extLst>
+              <a:ext uri="{FF2B5EF4-FFF2-40B4-BE49-F238E27FC236}">
+                <a16:creationId xmlns:a16="http://schemas.microsoft.com/office/drawing/2014/main" id="{282078DF-EB9E-B740-A845-0069F7647ACD}"/>
+              </a:ext>
+            </a:extLst>
+          </p:cNvPr>
+          <p:cNvSpPr txBox="1">
+            <a:spLocks/>
+          </p:cNvSpPr>
+          <p:nvPr/>
+        </p:nvSpPr>
+        <p:spPr>
+          <a:xfrm>
+            <a:off x="580901" y="476479"/>
+            <a:ext cx="5515099" cy="834283"/>
+          </a:xfrm>
+          <a:prstGeom prst="rect">
+            <a:avLst/>
+          </a:prstGeom>
+        </p:spPr>
+        <p:txBody>
+          <a:bodyPr vert="horz" lIns="91440" tIns="45720" rIns="91440" bIns="45720" rtlCol="0" anchor="ctr">
+            <a:normAutofit/>
+          </a:bodyPr>
+          <a:lstStyle>
+            <a:lvl1pPr algn="l" defTabSz="914400" rtl="0" eaLnBrk="1" latinLnBrk="0" hangingPunct="1">
+              <a:lnSpc>
+                <a:spcPct val="90000"/>
+              </a:lnSpc>
+              <a:spcBef>
+                <a:spcPct val="0"/>
+              </a:spcBef>
+              <a:buNone/>
+              <a:defRPr sz="4400" kern="1200">
+                <a:solidFill>
+                  <a:schemeClr val="tx1"/>
+                </a:solidFill>
+                <a:latin typeface="+mj-lt"/>
+                <a:ea typeface="+mj-ea"/>
+                <a:cs typeface="+mj-cs"/>
+              </a:defRPr>
+            </a:lvl1pPr>
+          </a:lstStyle>
+          <a:p>
+            <a:r>
+              <a:rPr lang="it-IT" sz="2000" b="1" dirty="0" err="1">
+                <a:latin typeface="Myriad Pro" panose="020B0503030403020204" pitchFamily="34" charset="0"/>
+              </a:rPr>
+              <a:t>Sqft_lot</a:t>
+            </a:r>
+            <a:r>
+              <a:rPr lang="it-IT" sz="2000" b="1" dirty="0">
+                <a:latin typeface="Myriad Pro" panose="020B0503030403020204" pitchFamily="34" charset="0"/>
+              </a:rPr>
+              <a:t> / sqft_lot15</a:t>
+            </a:r>
+          </a:p>
+        </p:txBody>
+      </p:sp>
+    </p:spTree>
+    <p:extLst>
+      <p:ext uri="{BB962C8B-B14F-4D97-AF65-F5344CB8AC3E}">
+        <p14:creationId xmlns:p14="http://schemas.microsoft.com/office/powerpoint/2010/main" val="1060221836"/>
+      </p:ext>
+    </p:extLst>
+  </p:cSld>
+  <p:clrMapOvr>
+    <a:masterClrMapping/>
+  </p:clrMapOvr>
+</p:sld>
+</file>
+
+<file path=ppt/slides/slide13.xml><?xml version="1.0" encoding="utf-8"?>
+<p:sld xmlns:a="http://schemas.openxmlformats.org/drawingml/2006/main" xmlns:r="http://schemas.openxmlformats.org/officeDocument/2006/relationships" xmlns:p="http://schemas.openxmlformats.org/presentationml/2006/main">
+  <p:cSld>
+    <p:spTree>
+      <p:nvGrpSpPr>
+        <p:cNvPr id="1" name=""/>
+        <p:cNvGrpSpPr/>
+        <p:nvPr/>
+      </p:nvGrpSpPr>
+      <p:grpSpPr>
+        <a:xfrm>
+          <a:off x="0" y="0"/>
+          <a:ext cx="0" cy="0"/>
+          <a:chOff x="0" y="0"/>
+          <a:chExt cx="0" cy="0"/>
+        </a:xfrm>
+      </p:grpSpPr>
+      <p:sp>
+        <p:nvSpPr>
+          <p:cNvPr id="4" name="Segnaposto data 3">
+            <a:extLst>
+              <a:ext uri="{FF2B5EF4-FFF2-40B4-BE49-F238E27FC236}">
+                <a16:creationId xmlns:a16="http://schemas.microsoft.com/office/drawing/2014/main" id="{8A149C98-09C8-BE43-90B3-BA29F3FBDEB0}"/>
+              </a:ext>
+            </a:extLst>
+          </p:cNvPr>
+          <p:cNvSpPr>
+            <a:spLocks noGrp="1"/>
+          </p:cNvSpPr>
+          <p:nvPr>
+            <p:ph type="dt" sz="half" idx="10"/>
+          </p:nvPr>
+        </p:nvSpPr>
+        <p:spPr/>
+        <p:txBody>
+          <a:bodyPr/>
+          <a:lstStyle/>
+          <a:p>
+            <a:fld id="{33848DB0-9843-B347-A33E-49A9A86EE094}" type="datetime4">
+              <a:rPr lang="it-IT" smtClean="0">
+                <a:latin typeface="Myriad Pro" panose="020B0503030403020204" pitchFamily="34" charset="0"/>
+              </a:rPr>
+              <a:t>27 maggio 2019</a:t>
+            </a:fld>
+            <a:endParaRPr lang="it-IT" dirty="0">
+              <a:latin typeface="Myriad Pro" panose="020B0503030403020204" pitchFamily="34" charset="0"/>
+            </a:endParaRPr>
+          </a:p>
+        </p:txBody>
+      </p:sp>
+      <p:sp>
+        <p:nvSpPr>
+          <p:cNvPr id="5" name="Segnaposto piè di pagina 4">
+            <a:extLst>
+              <a:ext uri="{FF2B5EF4-FFF2-40B4-BE49-F238E27FC236}">
+                <a16:creationId xmlns:a16="http://schemas.microsoft.com/office/drawing/2014/main" id="{5D31F621-CE36-9743-BFB7-0349C997EB9E}"/>
+              </a:ext>
+            </a:extLst>
+          </p:cNvPr>
+          <p:cNvSpPr>
+            <a:spLocks noGrp="1"/>
+          </p:cNvSpPr>
+          <p:nvPr>
+            <p:ph type="ftr" sz="quarter" idx="11"/>
+          </p:nvPr>
+        </p:nvSpPr>
+        <p:spPr/>
+        <p:txBody>
+          <a:bodyPr/>
+          <a:lstStyle/>
+          <a:p>
+            <a:r>
+              <a:rPr lang="it-IT">
+                <a:latin typeface="Myriad Pro" panose="020B0503030403020204" pitchFamily="34" charset="0"/>
+              </a:rPr>
+              <a:t>Statistical Learning (mod. B)</a:t>
+            </a:r>
+          </a:p>
+        </p:txBody>
+      </p:sp>
+      <p:sp>
+        <p:nvSpPr>
+          <p:cNvPr id="6" name="Segnaposto numero diapositiva 5">
+            <a:extLst>
+              <a:ext uri="{FF2B5EF4-FFF2-40B4-BE49-F238E27FC236}">
+                <a16:creationId xmlns:a16="http://schemas.microsoft.com/office/drawing/2014/main" id="{0456023B-0338-6F40-9EE7-0CDEBAA639B6}"/>
+              </a:ext>
+            </a:extLst>
+          </p:cNvPr>
+          <p:cNvSpPr>
+            <a:spLocks noGrp="1"/>
+          </p:cNvSpPr>
+          <p:nvPr>
+            <p:ph type="sldNum" sz="quarter" idx="12"/>
+          </p:nvPr>
+        </p:nvSpPr>
+        <p:spPr/>
+        <p:txBody>
+          <a:bodyPr/>
+          <a:lstStyle/>
+          <a:p>
+            <a:fld id="{4408E049-D76D-BA45-8401-D3912C3F51E8}" type="slidenum">
+              <a:rPr lang="it-IT" smtClean="0">
+                <a:latin typeface="Myriad Pro" panose="020B0503030403020204" pitchFamily="34" charset="0"/>
+              </a:rPr>
+              <a:t>13</a:t>
+            </a:fld>
+            <a:endParaRPr lang="it-IT">
+              <a:latin typeface="Myriad Pro" panose="020B0503030403020204" pitchFamily="34" charset="0"/>
+            </a:endParaRPr>
+          </a:p>
+        </p:txBody>
+      </p:sp>
+      <p:sp>
+        <p:nvSpPr>
+          <p:cNvPr id="7" name="Titolo 6">
+            <a:extLst>
+              <a:ext uri="{FF2B5EF4-FFF2-40B4-BE49-F238E27FC236}">
+                <a16:creationId xmlns:a16="http://schemas.microsoft.com/office/drawing/2014/main" id="{81DC6FD5-50BF-4742-9F29-80B51476A892}"/>
+              </a:ext>
+            </a:extLst>
+          </p:cNvPr>
+          <p:cNvSpPr>
+            <a:spLocks noGrp="1"/>
+          </p:cNvSpPr>
+          <p:nvPr>
+            <p:ph type="title"/>
+          </p:nvPr>
+        </p:nvSpPr>
+        <p:spPr/>
+        <p:txBody>
+          <a:bodyPr/>
+          <a:lstStyle/>
+          <a:p>
+            <a:endParaRPr lang="it-IT"/>
           </a:p>
         </p:txBody>
       </p:sp>
@@ -5723,7 +6945,9 @@
           </a:xfrm>
         </p:spPr>
         <p:txBody>
-          <a:bodyPr/>
+          <a:bodyPr>
+            <a:normAutofit/>
+          </a:bodyPr>
           <a:lstStyle/>
           <a:p>
             <a:r>
@@ -5783,8 +7007,28 @@
           <a:lstStyle/>
           <a:p>
             <a:r>
+              <a:rPr lang="it-IT" sz="2300" dirty="0" err="1"/>
+              <a:t>After</a:t>
+            </a:r>
+            <a:r>
               <a:rPr lang="it-IT" sz="2300" dirty="0"/>
-              <a:t>Some </a:t>
+              <a:t> a </a:t>
+            </a:r>
+            <a:r>
+              <a:rPr lang="it-IT" sz="2300" dirty="0" err="1"/>
+              <a:t>couple</a:t>
+            </a:r>
+            <a:r>
+              <a:rPr lang="it-IT" sz="2300" dirty="0"/>
+              <a:t> of </a:t>
+            </a:r>
+            <a:r>
+              <a:rPr lang="it-IT" sz="2300" dirty="0" err="1"/>
+              <a:t>checks</a:t>
+            </a:r>
+            <a:r>
+              <a:rPr lang="it-IT" sz="2300" dirty="0"/>
+              <a:t>, some </a:t>
             </a:r>
             <a:r>
               <a:rPr lang="it-IT" sz="2300" dirty="0" err="1"/>
@@ -5907,190 +7151,282 @@
           <a:lstStyle/>
           <a:p>
             <a:r>
-              <a:rPr lang="it-IT" u="sng" dirty="0" err="1"/>
+              <a:rPr lang="it-IT" u="sng" dirty="0" err="1">
+                <a:latin typeface="Myriad Pro" panose="020B0503030403020204" pitchFamily="34" charset="0"/>
+              </a:rPr>
               <a:t>Problem</a:t>
             </a:r>
             <a:r>
-              <a:rPr lang="it-IT" dirty="0"/>
+              <a:rPr lang="it-IT" dirty="0">
+                <a:latin typeface="Myriad Pro" panose="020B0503030403020204" pitchFamily="34" charset="0"/>
+              </a:rPr>
               <a:t>: </a:t>
             </a:r>
             <a:r>
-              <a:rPr lang="it-IT" dirty="0" err="1"/>
+              <a:rPr lang="it-IT" dirty="0" err="1">
+                <a:latin typeface="Myriad Pro" panose="020B0503030403020204" pitchFamily="34" charset="0"/>
+              </a:rPr>
               <a:t>This</a:t>
             </a:r>
             <a:r>
-              <a:rPr lang="it-IT" dirty="0"/>
-              <a:t> </a:t>
-            </a:r>
-            <a:r>
-              <a:rPr lang="it-IT" dirty="0" err="1"/>
+              <a:rPr lang="it-IT" dirty="0">
+                <a:latin typeface="Myriad Pro" panose="020B0503030403020204" pitchFamily="34" charset="0"/>
+              </a:rPr>
+              <a:t> </a:t>
+            </a:r>
+            <a:r>
+              <a:rPr lang="it-IT" dirty="0" err="1">
+                <a:latin typeface="Myriad Pro" panose="020B0503030403020204" pitchFamily="34" charset="0"/>
+              </a:rPr>
               <a:t>feature</a:t>
             </a:r>
             <a:r>
-              <a:rPr lang="it-IT" dirty="0"/>
-              <a:t> </a:t>
-            </a:r>
-            <a:r>
-              <a:rPr lang="it-IT" dirty="0" err="1"/>
+              <a:rPr lang="it-IT" dirty="0">
+                <a:latin typeface="Myriad Pro" panose="020B0503030403020204" pitchFamily="34" charset="0"/>
+              </a:rPr>
+              <a:t> </a:t>
+            </a:r>
+            <a:r>
+              <a:rPr lang="it-IT" dirty="0" err="1">
+                <a:latin typeface="Myriad Pro" panose="020B0503030403020204" pitchFamily="34" charset="0"/>
+              </a:rPr>
               <a:t>turns</a:t>
             </a:r>
             <a:r>
-              <a:rPr lang="it-IT" dirty="0"/>
+              <a:rPr lang="it-IT" dirty="0">
+                <a:latin typeface="Myriad Pro" panose="020B0503030403020204" pitchFamily="34" charset="0"/>
+              </a:rPr>
               <a:t> out to be </a:t>
             </a:r>
             <a:r>
-              <a:rPr lang="it-IT" dirty="0" err="1"/>
+              <a:rPr lang="it-IT" dirty="0" err="1">
+                <a:latin typeface="Myriad Pro" panose="020B0503030403020204" pitchFamily="34" charset="0"/>
+              </a:rPr>
               <a:t>exactly</a:t>
             </a:r>
             <a:r>
-              <a:rPr lang="it-IT" dirty="0"/>
+              <a:rPr lang="it-IT" dirty="0">
+                <a:latin typeface="Myriad Pro" panose="020B0503030403020204" pitchFamily="34" charset="0"/>
+              </a:rPr>
               <a:t> the </a:t>
             </a:r>
             <a:r>
-              <a:rPr lang="it-IT" dirty="0" err="1"/>
+              <a:rPr lang="it-IT" dirty="0" err="1">
+                <a:latin typeface="Myriad Pro" panose="020B0503030403020204" pitchFamily="34" charset="0"/>
+              </a:rPr>
               <a:t>difference</a:t>
             </a:r>
             <a:r>
-              <a:rPr lang="it-IT" dirty="0"/>
-              <a:t> </a:t>
-            </a:r>
-            <a:r>
-              <a:rPr lang="it-IT" dirty="0" err="1"/>
+              <a:rPr lang="it-IT" dirty="0">
+                <a:latin typeface="Myriad Pro" panose="020B0503030403020204" pitchFamily="34" charset="0"/>
+              </a:rPr>
+              <a:t> </a:t>
+            </a:r>
+            <a:r>
+              <a:rPr lang="it-IT" dirty="0" err="1">
+                <a:latin typeface="Myriad Pro" panose="020B0503030403020204" pitchFamily="34" charset="0"/>
+              </a:rPr>
               <a:t>between</a:t>
             </a:r>
             <a:r>
-              <a:rPr lang="it-IT" dirty="0"/>
-              <a:t> </a:t>
-            </a:r>
-            <a:r>
-              <a:rPr lang="it-IT" dirty="0" err="1"/>
+              <a:rPr lang="it-IT" dirty="0">
+                <a:latin typeface="Myriad Pro" panose="020B0503030403020204" pitchFamily="34" charset="0"/>
+              </a:rPr>
+              <a:t> </a:t>
+            </a:r>
+            <a:r>
+              <a:rPr lang="it-IT" dirty="0" err="1">
+                <a:latin typeface="Myriad Pro" panose="020B0503030403020204" pitchFamily="34" charset="0"/>
+              </a:rPr>
               <a:t>sqft_living</a:t>
             </a:r>
             <a:r>
-              <a:rPr lang="it-IT" dirty="0"/>
+              <a:rPr lang="it-IT" dirty="0">
+                <a:latin typeface="Myriad Pro" panose="020B0503030403020204" pitchFamily="34" charset="0"/>
+              </a:rPr>
               <a:t> and </a:t>
             </a:r>
             <a:r>
-              <a:rPr lang="it-IT" dirty="0" err="1"/>
+              <a:rPr lang="it-IT" dirty="0" err="1">
+                <a:latin typeface="Myriad Pro" panose="020B0503030403020204" pitchFamily="34" charset="0"/>
+              </a:rPr>
               <a:t>sqft_above</a:t>
             </a:r>
             <a:r>
-              <a:rPr lang="it-IT" dirty="0"/>
+              <a:rPr lang="it-IT" dirty="0">
+                <a:latin typeface="Myriad Pro" panose="020B0503030403020204" pitchFamily="34" charset="0"/>
+              </a:rPr>
               <a:t>, so </a:t>
             </a:r>
             <a:r>
-              <a:rPr lang="it-IT" dirty="0" err="1"/>
+              <a:rPr lang="it-IT" dirty="0" err="1">
+                <a:latin typeface="Myriad Pro" panose="020B0503030403020204" pitchFamily="34" charset="0"/>
+              </a:rPr>
               <a:t>it</a:t>
             </a:r>
             <a:r>
-              <a:rPr lang="it-IT" dirty="0"/>
-              <a:t> </a:t>
-            </a:r>
-            <a:r>
-              <a:rPr lang="it-IT" dirty="0" err="1"/>
+              <a:rPr lang="it-IT" dirty="0">
+                <a:latin typeface="Myriad Pro" panose="020B0503030403020204" pitchFamily="34" charset="0"/>
+              </a:rPr>
+              <a:t> </a:t>
+            </a:r>
+            <a:r>
+              <a:rPr lang="it-IT" dirty="0" err="1">
+                <a:latin typeface="Myriad Pro" panose="020B0503030403020204" pitchFamily="34" charset="0"/>
+              </a:rPr>
               <a:t>makes</a:t>
             </a:r>
             <a:r>
-              <a:rPr lang="it-IT" dirty="0"/>
+              <a:rPr lang="it-IT" dirty="0">
+                <a:latin typeface="Myriad Pro" panose="020B0503030403020204" pitchFamily="34" charset="0"/>
+              </a:rPr>
               <a:t> no </a:t>
             </a:r>
             <a:r>
-              <a:rPr lang="it-IT" dirty="0" err="1"/>
+              <a:rPr lang="it-IT" dirty="0" err="1">
+                <a:latin typeface="Myriad Pro" panose="020B0503030403020204" pitchFamily="34" charset="0"/>
+              </a:rPr>
               <a:t>sense</a:t>
             </a:r>
             <a:r>
-              <a:rPr lang="it-IT" dirty="0"/>
+              <a:rPr lang="it-IT" dirty="0">
+                <a:latin typeface="Myriad Pro" panose="020B0503030403020204" pitchFamily="34" charset="0"/>
+              </a:rPr>
               <a:t> (and </a:t>
             </a:r>
             <a:r>
-              <a:rPr lang="it-IT" dirty="0" err="1"/>
+              <a:rPr lang="it-IT" dirty="0" err="1">
+                <a:latin typeface="Myriad Pro" panose="020B0503030403020204" pitchFamily="34" charset="0"/>
+              </a:rPr>
               <a:t>it</a:t>
             </a:r>
             <a:r>
-              <a:rPr lang="it-IT" dirty="0"/>
-              <a:t> </a:t>
-            </a:r>
-            <a:r>
-              <a:rPr lang="it-IT" dirty="0" err="1"/>
+              <a:rPr lang="it-IT" dirty="0">
+                <a:latin typeface="Myriad Pro" panose="020B0503030403020204" pitchFamily="34" charset="0"/>
+              </a:rPr>
+              <a:t> </a:t>
+            </a:r>
+            <a:r>
+              <a:rPr lang="it-IT" dirty="0" err="1">
+                <a:latin typeface="Myriad Pro" panose="020B0503030403020204" pitchFamily="34" charset="0"/>
+              </a:rPr>
               <a:t>would</a:t>
             </a:r>
             <a:r>
-              <a:rPr lang="it-IT" dirty="0"/>
+              <a:rPr lang="it-IT" dirty="0">
+                <a:latin typeface="Myriad Pro" panose="020B0503030403020204" pitchFamily="34" charset="0"/>
+              </a:rPr>
               <a:t> be an </a:t>
             </a:r>
             <a:r>
-              <a:rPr lang="it-IT" dirty="0" err="1"/>
+              <a:rPr lang="it-IT" dirty="0" err="1">
+                <a:latin typeface="Myriad Pro" panose="020B0503030403020204" pitchFamily="34" charset="0"/>
+              </a:rPr>
               <a:t>error</a:t>
             </a:r>
             <a:r>
-              <a:rPr lang="it-IT" dirty="0"/>
+              <a:rPr lang="it-IT" dirty="0">
+                <a:latin typeface="Myriad Pro" panose="020B0503030403020204" pitchFamily="34" charset="0"/>
+              </a:rPr>
               <a:t>) to </a:t>
             </a:r>
             <a:r>
-              <a:rPr lang="it-IT" dirty="0" err="1"/>
+              <a:rPr lang="it-IT" dirty="0" err="1">
+                <a:latin typeface="Myriad Pro" panose="020B0503030403020204" pitchFamily="34" charset="0"/>
+              </a:rPr>
               <a:t>keep</a:t>
             </a:r>
             <a:r>
-              <a:rPr lang="it-IT" dirty="0"/>
-              <a:t> </a:t>
-            </a:r>
-            <a:r>
-              <a:rPr lang="it-IT" dirty="0" err="1"/>
+              <a:rPr lang="it-IT" dirty="0">
+                <a:latin typeface="Myriad Pro" panose="020B0503030403020204" pitchFamily="34" charset="0"/>
+              </a:rPr>
+              <a:t> </a:t>
+            </a:r>
+            <a:r>
+              <a:rPr lang="it-IT" dirty="0" err="1">
+                <a:latin typeface="Myriad Pro" panose="020B0503030403020204" pitchFamily="34" charset="0"/>
+              </a:rPr>
               <a:t>it</a:t>
             </a:r>
             <a:r>
-              <a:rPr lang="it-IT" dirty="0"/>
+              <a:rPr lang="it-IT" dirty="0">
+                <a:latin typeface="Myriad Pro" panose="020B0503030403020204" pitchFamily="34" charset="0"/>
+              </a:rPr>
               <a:t> in the data. </a:t>
             </a:r>
           </a:p>
           <a:p>
             <a:r>
-              <a:rPr lang="it-IT" u="sng" dirty="0"/>
+              <a:rPr lang="it-IT" u="sng" dirty="0">
+                <a:latin typeface="Myriad Pro" panose="020B0503030403020204" pitchFamily="34" charset="0"/>
+              </a:rPr>
               <a:t>Solution</a:t>
             </a:r>
             <a:r>
-              <a:rPr lang="it-IT" dirty="0"/>
+              <a:rPr lang="it-IT" dirty="0">
+                <a:latin typeface="Myriad Pro" panose="020B0503030403020204" pitchFamily="34" charset="0"/>
+              </a:rPr>
               <a:t>: </a:t>
             </a:r>
             <a:r>
-              <a:rPr lang="it-IT" dirty="0" err="1"/>
+              <a:rPr lang="it-IT" dirty="0" err="1">
+                <a:latin typeface="Myriad Pro" panose="020B0503030403020204" pitchFamily="34" charset="0"/>
+              </a:rPr>
               <a:t>we</a:t>
             </a:r>
             <a:r>
-              <a:rPr lang="it-IT" dirty="0"/>
-              <a:t> </a:t>
-            </a:r>
-            <a:r>
-              <a:rPr lang="it-IT" dirty="0" err="1"/>
+              <a:rPr lang="it-IT" dirty="0">
+                <a:latin typeface="Myriad Pro" panose="020B0503030403020204" pitchFamily="34" charset="0"/>
+              </a:rPr>
+              <a:t> </a:t>
+            </a:r>
+            <a:r>
+              <a:rPr lang="it-IT" dirty="0" err="1">
+                <a:latin typeface="Myriad Pro" panose="020B0503030403020204" pitchFamily="34" charset="0"/>
+              </a:rPr>
               <a:t>deleted</a:t>
             </a:r>
             <a:r>
-              <a:rPr lang="it-IT" dirty="0"/>
+              <a:rPr lang="it-IT" dirty="0">
+                <a:latin typeface="Myriad Pro" panose="020B0503030403020204" pitchFamily="34" charset="0"/>
+              </a:rPr>
               <a:t> the </a:t>
             </a:r>
             <a:r>
-              <a:rPr lang="it-IT" dirty="0" err="1"/>
+              <a:rPr lang="it-IT" dirty="0" err="1">
+                <a:latin typeface="Myriad Pro" panose="020B0503030403020204" pitchFamily="34" charset="0"/>
+              </a:rPr>
               <a:t>feature</a:t>
             </a:r>
             <a:r>
-              <a:rPr lang="it-IT" dirty="0"/>
+              <a:rPr lang="it-IT" dirty="0">
+                <a:latin typeface="Myriad Pro" panose="020B0503030403020204" pitchFamily="34" charset="0"/>
+              </a:rPr>
               <a:t> from the </a:t>
             </a:r>
             <a:r>
-              <a:rPr lang="it-IT" dirty="0" err="1"/>
+              <a:rPr lang="it-IT" dirty="0" err="1">
+                <a:latin typeface="Myriad Pro" panose="020B0503030403020204" pitchFamily="34" charset="0"/>
+              </a:rPr>
               <a:t>dataset</a:t>
             </a:r>
             <a:r>
-              <a:rPr lang="it-IT" dirty="0"/>
+              <a:rPr lang="it-IT" dirty="0">
+                <a:latin typeface="Myriad Pro" panose="020B0503030403020204" pitchFamily="34" charset="0"/>
+              </a:rPr>
               <a:t>.</a:t>
             </a:r>
           </a:p>
           <a:p>
-            <a:endParaRPr lang="it-IT" dirty="0"/>
-          </a:p>
-          <a:p>
-            <a:r>
-              <a:rPr lang="it-IT" dirty="0"/>
+            <a:endParaRPr lang="it-IT" dirty="0">
+              <a:latin typeface="Myriad Pro" panose="020B0503030403020204" pitchFamily="34" charset="0"/>
+            </a:endParaRPr>
+          </a:p>
+          <a:p>
+            <a:r>
+              <a:rPr lang="it-IT" dirty="0">
+                <a:latin typeface="Myriad Pro" panose="020B0503030403020204" pitchFamily="34" charset="0"/>
+              </a:rPr>
               <a:t>INSERIRE SCREEN</a:t>
             </a:r>
           </a:p>
@@ -6289,7 +7625,7 @@
         <p:spPr>
           <a:xfrm>
             <a:off x="541315" y="1126109"/>
-            <a:ext cx="9360230" cy="1754326"/>
+            <a:ext cx="9360230" cy="2585323"/>
           </a:xfrm>
           <a:prstGeom prst="rect">
             <a:avLst/>
@@ -6303,254 +7639,740 @@
           <a:lstStyle/>
           <a:p>
             <a:r>
-              <a:rPr lang="it-IT" u="sng" dirty="0" err="1"/>
+              <a:rPr lang="it-IT" u="sng" dirty="0" err="1">
+                <a:latin typeface="Myriad Pro" panose="020B0503030403020204" pitchFamily="34" charset="0"/>
+              </a:rPr>
               <a:t>Problem</a:t>
             </a:r>
             <a:r>
-              <a:rPr lang="it-IT" dirty="0"/>
-              <a:t>: an id </a:t>
-            </a:r>
-            <a:r>
-              <a:rPr lang="it-IT" dirty="0" err="1"/>
+              <a:rPr lang="it-IT" dirty="0">
+                <a:latin typeface="Myriad Pro" panose="020B0503030403020204" pitchFamily="34" charset="0"/>
+              </a:rPr>
+              <a:t>: an </a:t>
+            </a:r>
+            <a:r>
+              <a:rPr lang="it-IT" i="1" dirty="0">
+                <a:latin typeface="Myriad Pro" panose="020B0503030403020204" pitchFamily="34" charset="0"/>
+              </a:rPr>
+              <a:t>id</a:t>
+            </a:r>
+            <a:r>
+              <a:rPr lang="it-IT" dirty="0">
+                <a:latin typeface="Myriad Pro" panose="020B0503030403020204" pitchFamily="34" charset="0"/>
+              </a:rPr>
+              <a:t> </a:t>
+            </a:r>
+            <a:r>
+              <a:rPr lang="it-IT" dirty="0" err="1">
+                <a:latin typeface="Myriad Pro" panose="020B0503030403020204" pitchFamily="34" charset="0"/>
+              </a:rPr>
               <a:t>is</a:t>
             </a:r>
             <a:r>
-              <a:rPr lang="it-IT" dirty="0"/>
-              <a:t> </a:t>
-            </a:r>
-            <a:r>
-              <a:rPr lang="it-IT" dirty="0" err="1"/>
+              <a:rPr lang="it-IT" dirty="0">
+                <a:latin typeface="Myriad Pro" panose="020B0503030403020204" pitchFamily="34" charset="0"/>
+              </a:rPr>
+              <a:t> </a:t>
+            </a:r>
+            <a:r>
+              <a:rPr lang="it-IT" dirty="0" err="1">
+                <a:latin typeface="Myriad Pro" panose="020B0503030403020204" pitchFamily="34" charset="0"/>
+              </a:rPr>
               <a:t>directly</a:t>
             </a:r>
             <a:r>
-              <a:rPr lang="it-IT" dirty="0"/>
-              <a:t> </a:t>
-            </a:r>
-            <a:r>
-              <a:rPr lang="it-IT" dirty="0" err="1"/>
+              <a:rPr lang="it-IT" dirty="0">
+                <a:latin typeface="Myriad Pro" panose="020B0503030403020204" pitchFamily="34" charset="0"/>
+              </a:rPr>
+              <a:t> </a:t>
+            </a:r>
+            <a:r>
+              <a:rPr lang="it-IT" dirty="0" err="1">
+                <a:latin typeface="Myriad Pro" panose="020B0503030403020204" pitchFamily="34" charset="0"/>
+              </a:rPr>
               <a:t>associated</a:t>
             </a:r>
             <a:r>
-              <a:rPr lang="it-IT" dirty="0"/>
+              <a:rPr lang="it-IT" dirty="0">
+                <a:latin typeface="Myriad Pro" panose="020B0503030403020204" pitchFamily="34" charset="0"/>
+              </a:rPr>
               <a:t> to a </a:t>
             </a:r>
             <a:r>
-              <a:rPr lang="it-IT" dirty="0" err="1"/>
+              <a:rPr lang="it-IT" dirty="0" err="1">
+                <a:latin typeface="Myriad Pro" panose="020B0503030403020204" pitchFamily="34" charset="0"/>
+              </a:rPr>
               <a:t>house</a:t>
             </a:r>
             <a:r>
-              <a:rPr lang="it-IT" dirty="0"/>
+              <a:rPr lang="it-IT" dirty="0">
+                <a:latin typeface="Myriad Pro" panose="020B0503030403020204" pitchFamily="34" charset="0"/>
+              </a:rPr>
               <a:t> and </a:t>
             </a:r>
             <a:r>
-              <a:rPr lang="it-IT" dirty="0" err="1"/>
+              <a:rPr lang="it-IT" dirty="0" err="1">
+                <a:latin typeface="Myriad Pro" panose="020B0503030403020204" pitchFamily="34" charset="0"/>
+              </a:rPr>
               <a:t>its</a:t>
             </a:r>
             <a:r>
-              <a:rPr lang="it-IT" dirty="0"/>
-              <a:t> </a:t>
-            </a:r>
-            <a:r>
-              <a:rPr lang="it-IT" dirty="0" err="1"/>
+              <a:rPr lang="it-IT" dirty="0">
+                <a:latin typeface="Myriad Pro" panose="020B0503030403020204" pitchFamily="34" charset="0"/>
+              </a:rPr>
+              <a:t> </a:t>
+            </a:r>
+            <a:r>
+              <a:rPr lang="it-IT" dirty="0" err="1">
+                <a:latin typeface="Myriad Pro" panose="020B0503030403020204" pitchFamily="34" charset="0"/>
+              </a:rPr>
               <a:t>features</a:t>
             </a:r>
             <a:r>
-              <a:rPr lang="it-IT" dirty="0"/>
-              <a:t> </a:t>
-            </a:r>
-            <a:r>
-              <a:rPr lang="it-IT" dirty="0" err="1"/>
+              <a:rPr lang="it-IT" dirty="0">
+                <a:latin typeface="Myriad Pro" panose="020B0503030403020204" pitchFamily="34" charset="0"/>
+              </a:rPr>
+              <a:t> </a:t>
+            </a:r>
+            <a:r>
+              <a:rPr lang="it-IT" dirty="0" err="1">
+                <a:latin typeface="Myriad Pro" panose="020B0503030403020204" pitchFamily="34" charset="0"/>
+              </a:rPr>
               <a:t>values</a:t>
             </a:r>
             <a:r>
-              <a:rPr lang="it-IT" dirty="0"/>
+              <a:rPr lang="it-IT" dirty="0">
+                <a:latin typeface="Myriad Pro" panose="020B0503030403020204" pitchFamily="34" charset="0"/>
+              </a:rPr>
               <a:t>; so, </a:t>
             </a:r>
             <a:r>
-              <a:rPr lang="it-IT" dirty="0" err="1"/>
+              <a:rPr lang="it-IT" dirty="0" err="1">
+                <a:latin typeface="Myriad Pro" panose="020B0503030403020204" pitchFamily="34" charset="0"/>
+              </a:rPr>
               <a:t>if</a:t>
             </a:r>
             <a:r>
-              <a:rPr lang="it-IT" dirty="0"/>
+              <a:rPr lang="it-IT" dirty="0">
+                <a:latin typeface="Myriad Pro" panose="020B0503030403020204" pitchFamily="34" charset="0"/>
+              </a:rPr>
               <a:t> a </a:t>
             </a:r>
             <a:r>
-              <a:rPr lang="it-IT" dirty="0" err="1"/>
+              <a:rPr lang="it-IT" dirty="0" err="1">
+                <a:latin typeface="Myriad Pro" panose="020B0503030403020204" pitchFamily="34" charset="0"/>
+              </a:rPr>
               <a:t>house</a:t>
             </a:r>
             <a:r>
-              <a:rPr lang="it-IT" dirty="0"/>
-              <a:t> </a:t>
-            </a:r>
-            <a:r>
-              <a:rPr lang="it-IT" dirty="0" err="1"/>
+              <a:rPr lang="it-IT" dirty="0">
+                <a:latin typeface="Myriad Pro" panose="020B0503030403020204" pitchFamily="34" charset="0"/>
+              </a:rPr>
+              <a:t> </a:t>
+            </a:r>
+            <a:r>
+              <a:rPr lang="it-IT" dirty="0" err="1">
+                <a:latin typeface="Myriad Pro" panose="020B0503030403020204" pitchFamily="34" charset="0"/>
+              </a:rPr>
               <a:t>has</a:t>
             </a:r>
             <a:r>
-              <a:rPr lang="it-IT" dirty="0"/>
-              <a:t> </a:t>
-            </a:r>
-            <a:r>
-              <a:rPr lang="it-IT" dirty="0" err="1"/>
+              <a:rPr lang="it-IT" dirty="0">
+                <a:latin typeface="Myriad Pro" panose="020B0503030403020204" pitchFamily="34" charset="0"/>
+              </a:rPr>
+              <a:t> </a:t>
+            </a:r>
+            <a:r>
+              <a:rPr lang="it-IT" dirty="0" err="1">
+                <a:latin typeface="Myriad Pro" panose="020B0503030403020204" pitchFamily="34" charset="0"/>
+              </a:rPr>
               <a:t>been</a:t>
             </a:r>
             <a:r>
-              <a:rPr lang="it-IT" dirty="0"/>
-              <a:t> </a:t>
-            </a:r>
-            <a:r>
-              <a:rPr lang="it-IT" dirty="0" err="1"/>
+              <a:rPr lang="it-IT" dirty="0">
+                <a:latin typeface="Myriad Pro" panose="020B0503030403020204" pitchFamily="34" charset="0"/>
+              </a:rPr>
+              <a:t> </a:t>
+            </a:r>
+            <a:r>
+              <a:rPr lang="it-IT" dirty="0" err="1">
+                <a:latin typeface="Myriad Pro" panose="020B0503030403020204" pitchFamily="34" charset="0"/>
+              </a:rPr>
               <a:t>sold</a:t>
             </a:r>
             <a:r>
-              <a:rPr lang="it-IT" dirty="0"/>
-              <a:t> </a:t>
-            </a:r>
-            <a:r>
-              <a:rPr lang="it-IT" dirty="0" err="1"/>
+              <a:rPr lang="it-IT" dirty="0">
+                <a:latin typeface="Myriad Pro" panose="020B0503030403020204" pitchFamily="34" charset="0"/>
+              </a:rPr>
+              <a:t> </a:t>
+            </a:r>
+            <a:r>
+              <a:rPr lang="it-IT" dirty="0" err="1">
+                <a:latin typeface="Myriad Pro" panose="020B0503030403020204" pitchFamily="34" charset="0"/>
+              </a:rPr>
               <a:t>twice</a:t>
             </a:r>
             <a:r>
-              <a:rPr lang="it-IT" dirty="0"/>
+              <a:rPr lang="it-IT" dirty="0">
+                <a:latin typeface="Myriad Pro" panose="020B0503030403020204" pitchFamily="34" charset="0"/>
+              </a:rPr>
               <a:t>, </a:t>
             </a:r>
             <a:r>
-              <a:rPr lang="it-IT" dirty="0" err="1"/>
+              <a:rPr lang="it-IT" dirty="0" err="1">
+                <a:latin typeface="Myriad Pro" panose="020B0503030403020204" pitchFamily="34" charset="0"/>
+              </a:rPr>
               <a:t>there</a:t>
             </a:r>
             <a:r>
-              <a:rPr lang="it-IT" dirty="0"/>
+              <a:rPr lang="it-IT" dirty="0">
+                <a:latin typeface="Myriad Pro" panose="020B0503030403020204" pitchFamily="34" charset="0"/>
+              </a:rPr>
               <a:t> can be </a:t>
             </a:r>
             <a:r>
-              <a:rPr lang="it-IT" dirty="0" err="1"/>
+              <a:rPr lang="it-IT" dirty="0" err="1">
+                <a:latin typeface="Myriad Pro" panose="020B0503030403020204" pitchFamily="34" charset="0"/>
+              </a:rPr>
               <a:t>two</a:t>
             </a:r>
             <a:r>
-              <a:rPr lang="it-IT" dirty="0"/>
-              <a:t> </a:t>
-            </a:r>
-            <a:r>
-              <a:rPr lang="it-IT" dirty="0" err="1"/>
+              <a:rPr lang="it-IT" dirty="0">
+                <a:latin typeface="Myriad Pro" panose="020B0503030403020204" pitchFamily="34" charset="0"/>
+              </a:rPr>
+              <a:t> </a:t>
+            </a:r>
+            <a:r>
+              <a:rPr lang="it-IT" dirty="0" err="1">
+                <a:latin typeface="Myriad Pro" panose="020B0503030403020204" pitchFamily="34" charset="0"/>
+              </a:rPr>
               <a:t>rows</a:t>
             </a:r>
             <a:r>
-              <a:rPr lang="it-IT" dirty="0"/>
+              <a:rPr lang="it-IT" dirty="0">
+                <a:latin typeface="Myriad Pro" panose="020B0503030403020204" pitchFamily="34" charset="0"/>
+              </a:rPr>
               <a:t> with </a:t>
             </a:r>
             <a:r>
-              <a:rPr lang="it-IT" dirty="0" err="1"/>
+              <a:rPr lang="it-IT" dirty="0" err="1">
+                <a:latin typeface="Myriad Pro" panose="020B0503030403020204" pitchFamily="34" charset="0"/>
+              </a:rPr>
               <a:t>identical</a:t>
             </a:r>
             <a:r>
-              <a:rPr lang="it-IT" dirty="0"/>
-              <a:t> </a:t>
-            </a:r>
-            <a:r>
-              <a:rPr lang="it-IT" dirty="0" err="1"/>
+              <a:rPr lang="it-IT" dirty="0">
+                <a:latin typeface="Myriad Pro" panose="020B0503030403020204" pitchFamily="34" charset="0"/>
+              </a:rPr>
+              <a:t> </a:t>
+            </a:r>
+            <a:r>
+              <a:rPr lang="it-IT" dirty="0" err="1">
+                <a:latin typeface="Myriad Pro" panose="020B0503030403020204" pitchFamily="34" charset="0"/>
+              </a:rPr>
               <a:t>values</a:t>
             </a:r>
             <a:r>
-              <a:rPr lang="it-IT" dirty="0"/>
-              <a:t> </a:t>
-            </a:r>
-            <a:r>
-              <a:rPr lang="it-IT" dirty="0" err="1"/>
+              <a:rPr lang="it-IT" dirty="0">
+                <a:latin typeface="Myriad Pro" panose="020B0503030403020204" pitchFamily="34" charset="0"/>
+              </a:rPr>
+              <a:t> </a:t>
+            </a:r>
+            <a:r>
+              <a:rPr lang="it-IT" dirty="0" err="1">
+                <a:latin typeface="Myriad Pro" panose="020B0503030403020204" pitchFamily="34" charset="0"/>
+              </a:rPr>
               <a:t>except</a:t>
             </a:r>
             <a:r>
-              <a:rPr lang="it-IT" dirty="0"/>
+              <a:rPr lang="it-IT" dirty="0">
+                <a:latin typeface="Myriad Pro" panose="020B0503030403020204" pitchFamily="34" charset="0"/>
+              </a:rPr>
               <a:t> for the </a:t>
             </a:r>
             <a:r>
-              <a:rPr lang="it-IT" dirty="0" err="1"/>
+              <a:rPr lang="it-IT" dirty="0" err="1">
+                <a:latin typeface="Myriad Pro" panose="020B0503030403020204" pitchFamily="34" charset="0"/>
+              </a:rPr>
               <a:t>price</a:t>
             </a:r>
             <a:r>
-              <a:rPr lang="it-IT" dirty="0"/>
+              <a:rPr lang="it-IT" dirty="0">
+                <a:latin typeface="Myriad Pro" panose="020B0503030403020204" pitchFamily="34" charset="0"/>
+              </a:rPr>
               <a:t> and the date. </a:t>
             </a:r>
             <a:r>
-              <a:rPr lang="it-IT" dirty="0" err="1"/>
+              <a:rPr lang="it-IT" dirty="0" err="1">
+                <a:latin typeface="Myriad Pro" panose="020B0503030403020204" pitchFamily="34" charset="0"/>
+              </a:rPr>
               <a:t>We</a:t>
             </a:r>
             <a:r>
-              <a:rPr lang="it-IT" dirty="0"/>
+              <a:rPr lang="it-IT" dirty="0">
+                <a:latin typeface="Myriad Pro" panose="020B0503030403020204" pitchFamily="34" charset="0"/>
+              </a:rPr>
               <a:t> are more </a:t>
             </a:r>
             <a:r>
-              <a:rPr lang="it-IT" dirty="0" err="1"/>
+              <a:rPr lang="it-IT" dirty="0" err="1">
+                <a:latin typeface="Myriad Pro" panose="020B0503030403020204" pitchFamily="34" charset="0"/>
+              </a:rPr>
               <a:t>interested</a:t>
             </a:r>
             <a:r>
-              <a:rPr lang="it-IT" dirty="0"/>
+              <a:rPr lang="it-IT" dirty="0">
+                <a:latin typeface="Myriad Pro" panose="020B0503030403020204" pitchFamily="34" charset="0"/>
+              </a:rPr>
               <a:t> in the </a:t>
             </a:r>
             <a:r>
-              <a:rPr lang="it-IT" dirty="0" err="1"/>
+              <a:rPr lang="it-IT" dirty="0" err="1">
+                <a:latin typeface="Myriad Pro" panose="020B0503030403020204" pitchFamily="34" charset="0"/>
+              </a:rPr>
               <a:t>latest</a:t>
             </a:r>
             <a:r>
-              <a:rPr lang="it-IT" dirty="0"/>
-              <a:t> </a:t>
-            </a:r>
-            <a:r>
-              <a:rPr lang="it-IT" dirty="0" err="1"/>
+              <a:rPr lang="it-IT" dirty="0">
+                <a:latin typeface="Myriad Pro" panose="020B0503030403020204" pitchFamily="34" charset="0"/>
+              </a:rPr>
+              <a:t> </a:t>
+            </a:r>
+            <a:r>
+              <a:rPr lang="it-IT" dirty="0" err="1">
+                <a:latin typeface="Myriad Pro" panose="020B0503030403020204" pitchFamily="34" charset="0"/>
+              </a:rPr>
               <a:t>value</a:t>
             </a:r>
             <a:r>
-              <a:rPr lang="it-IT" dirty="0"/>
-              <a:t> </a:t>
-            </a:r>
-            <a:r>
-              <a:rPr lang="it-IT" dirty="0" err="1"/>
+              <a:rPr lang="it-IT" dirty="0">
+                <a:latin typeface="Myriad Pro" panose="020B0503030403020204" pitchFamily="34" charset="0"/>
+              </a:rPr>
+              <a:t> </a:t>
+            </a:r>
+            <a:r>
+              <a:rPr lang="it-IT" dirty="0" err="1">
+                <a:latin typeface="Myriad Pro" panose="020B0503030403020204" pitchFamily="34" charset="0"/>
+              </a:rPr>
               <a:t>that</a:t>
             </a:r>
             <a:r>
-              <a:rPr lang="it-IT" dirty="0"/>
-              <a:t> </a:t>
-            </a:r>
-            <a:r>
-              <a:rPr lang="it-IT" dirty="0" err="1"/>
+              <a:rPr lang="it-IT" dirty="0">
+                <a:latin typeface="Myriad Pro" panose="020B0503030403020204" pitchFamily="34" charset="0"/>
+              </a:rPr>
+              <a:t> </a:t>
+            </a:r>
+            <a:r>
+              <a:rPr lang="it-IT" dirty="0" err="1">
+                <a:latin typeface="Myriad Pro" panose="020B0503030403020204" pitchFamily="34" charset="0"/>
+              </a:rPr>
               <a:t>was</a:t>
             </a:r>
             <a:r>
-              <a:rPr lang="it-IT" dirty="0"/>
-              <a:t> </a:t>
-            </a:r>
-            <a:r>
-              <a:rPr lang="it-IT" dirty="0" err="1"/>
+              <a:rPr lang="it-IT" dirty="0">
+                <a:latin typeface="Myriad Pro" panose="020B0503030403020204" pitchFamily="34" charset="0"/>
+              </a:rPr>
+              <a:t> </a:t>
+            </a:r>
+            <a:r>
+              <a:rPr lang="it-IT" dirty="0" err="1">
+                <a:latin typeface="Myriad Pro" panose="020B0503030403020204" pitchFamily="34" charset="0"/>
+              </a:rPr>
               <a:t>assigned</a:t>
             </a:r>
             <a:r>
-              <a:rPr lang="it-IT" dirty="0"/>
+              <a:rPr lang="it-IT" dirty="0">
+                <a:latin typeface="Myriad Pro" panose="020B0503030403020204" pitchFamily="34" charset="0"/>
+              </a:rPr>
               <a:t> to </a:t>
             </a:r>
             <a:r>
-              <a:rPr lang="it-IT" dirty="0" err="1"/>
+              <a:rPr lang="it-IT" dirty="0" err="1">
+                <a:latin typeface="Myriad Pro" panose="020B0503030403020204" pitchFamily="34" charset="0"/>
+              </a:rPr>
               <a:t>it</a:t>
             </a:r>
             <a:r>
-              <a:rPr lang="it-IT" dirty="0"/>
+              <a:rPr lang="it-IT" dirty="0">
+                <a:latin typeface="Myriad Pro" panose="020B0503030403020204" pitchFamily="34" charset="0"/>
+              </a:rPr>
+              <a:t>. The </a:t>
+            </a:r>
+            <a:r>
+              <a:rPr lang="it-IT" dirty="0" err="1">
+                <a:latin typeface="Myriad Pro" panose="020B0503030403020204" pitchFamily="34" charset="0"/>
+              </a:rPr>
+              <a:t>duplicated</a:t>
+            </a:r>
+            <a:r>
+              <a:rPr lang="it-IT" dirty="0">
+                <a:latin typeface="Myriad Pro" panose="020B0503030403020204" pitchFamily="34" charset="0"/>
+              </a:rPr>
+              <a:t> </a:t>
+            </a:r>
+            <a:r>
+              <a:rPr lang="it-IT" dirty="0" err="1">
+                <a:latin typeface="Myriad Pro" panose="020B0503030403020204" pitchFamily="34" charset="0"/>
+              </a:rPr>
+              <a:t>rows</a:t>
+            </a:r>
+            <a:r>
+              <a:rPr lang="it-IT" dirty="0">
+                <a:latin typeface="Myriad Pro" panose="020B0503030403020204" pitchFamily="34" charset="0"/>
+              </a:rPr>
+              <a:t> are </a:t>
+            </a:r>
+            <a:r>
+              <a:rPr lang="it-IT" dirty="0" err="1">
+                <a:latin typeface="Myriad Pro" panose="020B0503030403020204" pitchFamily="34" charset="0"/>
+              </a:rPr>
+              <a:t>less</a:t>
+            </a:r>
+            <a:r>
+              <a:rPr lang="it-IT" dirty="0">
+                <a:latin typeface="Myriad Pro" panose="020B0503030403020204" pitchFamily="34" charset="0"/>
+              </a:rPr>
+              <a:t> </a:t>
+            </a:r>
+            <a:r>
+              <a:rPr lang="it-IT" dirty="0" err="1">
+                <a:latin typeface="Myriad Pro" panose="020B0503030403020204" pitchFamily="34" charset="0"/>
+              </a:rPr>
+              <a:t>than</a:t>
+            </a:r>
+            <a:r>
+              <a:rPr lang="it-IT" dirty="0">
+                <a:latin typeface="Myriad Pro" panose="020B0503030403020204" pitchFamily="34" charset="0"/>
+              </a:rPr>
+              <a:t> 1% </a:t>
+            </a:r>
+            <a:r>
+              <a:rPr lang="it-IT" dirty="0" err="1">
+                <a:latin typeface="Myriad Pro" panose="020B0503030403020204" pitchFamily="34" charset="0"/>
+              </a:rPr>
+              <a:t>w.r.t</a:t>
+            </a:r>
+            <a:r>
+              <a:rPr lang="it-IT" dirty="0">
+                <a:latin typeface="Myriad Pro" panose="020B0503030403020204" pitchFamily="34" charset="0"/>
+              </a:rPr>
+              <a:t>. the </a:t>
+            </a:r>
+            <a:r>
+              <a:rPr lang="it-IT" dirty="0" err="1">
+                <a:latin typeface="Myriad Pro" panose="020B0503030403020204" pitchFamily="34" charset="0"/>
+              </a:rPr>
+              <a:t>total</a:t>
+            </a:r>
+            <a:r>
+              <a:rPr lang="it-IT" dirty="0">
+                <a:latin typeface="Myriad Pro" panose="020B0503030403020204" pitchFamily="34" charset="0"/>
+              </a:rPr>
+              <a:t> </a:t>
+            </a:r>
+            <a:r>
+              <a:rPr lang="it-IT" dirty="0" err="1">
+                <a:latin typeface="Myriad Pro" panose="020B0503030403020204" pitchFamily="34" charset="0"/>
+              </a:rPr>
+              <a:t>number</a:t>
+            </a:r>
+            <a:r>
+              <a:rPr lang="it-IT" dirty="0">
+                <a:latin typeface="Myriad Pro" panose="020B0503030403020204" pitchFamily="34" charset="0"/>
+              </a:rPr>
+              <a:t> of </a:t>
+            </a:r>
+            <a:r>
+              <a:rPr lang="it-IT" dirty="0" err="1">
+                <a:latin typeface="Myriad Pro" panose="020B0503030403020204" pitchFamily="34" charset="0"/>
+              </a:rPr>
+              <a:t>observation</a:t>
+            </a:r>
+            <a:r>
+              <a:rPr lang="it-IT" dirty="0">
+                <a:latin typeface="Myriad Pro" panose="020B0503030403020204" pitchFamily="34" charset="0"/>
+              </a:rPr>
               <a:t>.</a:t>
             </a:r>
           </a:p>
           <a:p>
-            <a:r>
-              <a:rPr lang="it-IT" u="sng" dirty="0"/>
+            <a:endParaRPr lang="it-IT" dirty="0">
+              <a:latin typeface="Myriad Pro" panose="020B0503030403020204" pitchFamily="34" charset="0"/>
+            </a:endParaRPr>
+          </a:p>
+          <a:p>
+            <a:r>
+              <a:rPr lang="it-IT" u="sng" dirty="0">
+                <a:latin typeface="Myriad Pro" panose="020B0503030403020204" pitchFamily="34" charset="0"/>
+              </a:rPr>
               <a:t>Solution</a:t>
             </a:r>
             <a:r>
-              <a:rPr lang="it-IT" dirty="0"/>
+              <a:rPr lang="it-IT" dirty="0">
+                <a:latin typeface="Myriad Pro" panose="020B0503030403020204" pitchFamily="34" charset="0"/>
+              </a:rPr>
               <a:t>: </a:t>
             </a:r>
-          </a:p>
-          <a:p>
-            <a:endParaRPr lang="it-IT" dirty="0"/>
-          </a:p>
-          <a:p>
-            <a:r>
-              <a:rPr lang="it-IT" dirty="0"/>
+            <a:r>
+              <a:rPr lang="it-IT" dirty="0" err="1">
+                <a:latin typeface="Myriad Pro" panose="020B0503030403020204" pitchFamily="34" charset="0"/>
+              </a:rPr>
+              <a:t>we</a:t>
+            </a:r>
+            <a:r>
+              <a:rPr lang="it-IT" dirty="0">
+                <a:latin typeface="Myriad Pro" panose="020B0503030403020204" pitchFamily="34" charset="0"/>
+              </a:rPr>
+              <a:t> </a:t>
+            </a:r>
+            <a:r>
+              <a:rPr lang="it-IT" dirty="0" err="1">
+                <a:latin typeface="Myriad Pro" panose="020B0503030403020204" pitchFamily="34" charset="0"/>
+              </a:rPr>
+              <a:t>only</a:t>
+            </a:r>
+            <a:r>
+              <a:rPr lang="it-IT" dirty="0">
+                <a:latin typeface="Myriad Pro" panose="020B0503030403020204" pitchFamily="34" charset="0"/>
+              </a:rPr>
+              <a:t> </a:t>
+            </a:r>
+            <a:r>
+              <a:rPr lang="it-IT" dirty="0" err="1">
+                <a:latin typeface="Myriad Pro" panose="020B0503030403020204" pitchFamily="34" charset="0"/>
+              </a:rPr>
+              <a:t>keep</a:t>
+            </a:r>
+            <a:r>
+              <a:rPr lang="it-IT" dirty="0">
+                <a:latin typeface="Myriad Pro" panose="020B0503030403020204" pitchFamily="34" charset="0"/>
+              </a:rPr>
+              <a:t> the data </a:t>
+            </a:r>
+            <a:r>
+              <a:rPr lang="it-IT" dirty="0" err="1">
+                <a:latin typeface="Myriad Pro" panose="020B0503030403020204" pitchFamily="34" charset="0"/>
+              </a:rPr>
+              <a:t>related</a:t>
+            </a:r>
+            <a:r>
+              <a:rPr lang="it-IT" dirty="0">
+                <a:latin typeface="Myriad Pro" panose="020B0503030403020204" pitchFamily="34" charset="0"/>
+              </a:rPr>
+              <a:t> to </a:t>
+            </a:r>
+            <a:r>
+              <a:rPr lang="it-IT" dirty="0" err="1">
+                <a:latin typeface="Myriad Pro" panose="020B0503030403020204" pitchFamily="34" charset="0"/>
+              </a:rPr>
+              <a:t>most</a:t>
+            </a:r>
+            <a:r>
+              <a:rPr lang="it-IT" dirty="0">
+                <a:latin typeface="Myriad Pro" panose="020B0503030403020204" pitchFamily="34" charset="0"/>
+              </a:rPr>
+              <a:t> </a:t>
+            </a:r>
+            <a:r>
+              <a:rPr lang="it-IT" dirty="0" err="1">
+                <a:latin typeface="Myriad Pro" panose="020B0503030403020204" pitchFamily="34" charset="0"/>
+              </a:rPr>
+              <a:t>recent</a:t>
+            </a:r>
+            <a:r>
+              <a:rPr lang="it-IT" dirty="0">
+                <a:latin typeface="Myriad Pro" panose="020B0503030403020204" pitchFamily="34" charset="0"/>
+              </a:rPr>
+              <a:t> sale of </a:t>
+            </a:r>
+            <a:r>
+              <a:rPr lang="it-IT" dirty="0" err="1">
+                <a:latin typeface="Myriad Pro" panose="020B0503030403020204" pitchFamily="34" charset="0"/>
+              </a:rPr>
+              <a:t>that</a:t>
+            </a:r>
+            <a:r>
+              <a:rPr lang="it-IT" dirty="0">
+                <a:latin typeface="Myriad Pro" panose="020B0503030403020204" pitchFamily="34" charset="0"/>
+              </a:rPr>
+              <a:t> </a:t>
+            </a:r>
+            <a:r>
+              <a:rPr lang="it-IT" dirty="0" err="1">
+                <a:latin typeface="Myriad Pro" panose="020B0503030403020204" pitchFamily="34" charset="0"/>
+              </a:rPr>
+              <a:t>house</a:t>
+            </a:r>
+            <a:r>
+              <a:rPr lang="it-IT" dirty="0">
+                <a:latin typeface="Myriad Pro" panose="020B0503030403020204" pitchFamily="34" charset="0"/>
+              </a:rPr>
+              <a:t>. </a:t>
+            </a:r>
+            <a:r>
+              <a:rPr lang="it-IT" dirty="0" err="1">
+                <a:latin typeface="Myriad Pro" panose="020B0503030403020204" pitchFamily="34" charset="0"/>
+              </a:rPr>
+              <a:t>Moreover</a:t>
+            </a:r>
+            <a:r>
+              <a:rPr lang="it-IT" dirty="0">
+                <a:latin typeface="Myriad Pro" panose="020B0503030403020204" pitchFamily="34" charset="0"/>
+              </a:rPr>
+              <a:t>, </a:t>
+            </a:r>
+            <a:r>
+              <a:rPr lang="it-IT" dirty="0" err="1">
+                <a:latin typeface="Myriad Pro" panose="020B0503030403020204" pitchFamily="34" charset="0"/>
+              </a:rPr>
+              <a:t>we</a:t>
+            </a:r>
+            <a:r>
+              <a:rPr lang="it-IT" dirty="0">
+                <a:latin typeface="Myriad Pro" panose="020B0503030403020204" pitchFamily="34" charset="0"/>
+              </a:rPr>
+              <a:t> </a:t>
+            </a:r>
+            <a:r>
+              <a:rPr lang="it-IT" dirty="0" err="1">
+                <a:latin typeface="Myriad Pro" panose="020B0503030403020204" pitchFamily="34" charset="0"/>
+              </a:rPr>
+              <a:t>get</a:t>
+            </a:r>
+            <a:r>
+              <a:rPr lang="it-IT" dirty="0">
+                <a:latin typeface="Myriad Pro" panose="020B0503030403020204" pitchFamily="34" charset="0"/>
+              </a:rPr>
+              <a:t> </a:t>
+            </a:r>
+            <a:r>
+              <a:rPr lang="it-IT" dirty="0" err="1">
+                <a:latin typeface="Myriad Pro" panose="020B0503030403020204" pitchFamily="34" charset="0"/>
+              </a:rPr>
+              <a:t>rid</a:t>
+            </a:r>
+            <a:r>
+              <a:rPr lang="it-IT" dirty="0">
+                <a:latin typeface="Myriad Pro" panose="020B0503030403020204" pitchFamily="34" charset="0"/>
+              </a:rPr>
+              <a:t> of the </a:t>
+            </a:r>
+            <a:r>
+              <a:rPr lang="it-IT" i="1" dirty="0">
+                <a:latin typeface="Myriad Pro" panose="020B0503030403020204" pitchFamily="34" charset="0"/>
+              </a:rPr>
+              <a:t>id </a:t>
+            </a:r>
+            <a:r>
+              <a:rPr lang="it-IT" dirty="0" err="1">
+                <a:latin typeface="Myriad Pro" panose="020B0503030403020204" pitchFamily="34" charset="0"/>
+              </a:rPr>
+              <a:t>attribute</a:t>
+            </a:r>
+            <a:r>
+              <a:rPr lang="it-IT" dirty="0">
+                <a:latin typeface="Myriad Pro" panose="020B0503030403020204" pitchFamily="34" charset="0"/>
+              </a:rPr>
+              <a:t> </a:t>
+            </a:r>
+            <a:r>
+              <a:rPr lang="it-IT" dirty="0" err="1">
+                <a:latin typeface="Myriad Pro" panose="020B0503030403020204" pitchFamily="34" charset="0"/>
+              </a:rPr>
+              <a:t>since</a:t>
+            </a:r>
+            <a:r>
+              <a:rPr lang="it-IT" dirty="0">
+                <a:latin typeface="Myriad Pro" panose="020B0503030403020204" pitchFamily="34" charset="0"/>
+              </a:rPr>
+              <a:t> </a:t>
+            </a:r>
+            <a:r>
+              <a:rPr lang="it-IT" dirty="0" err="1">
+                <a:latin typeface="Myriad Pro" panose="020B0503030403020204" pitchFamily="34" charset="0"/>
+              </a:rPr>
+              <a:t>is</a:t>
+            </a:r>
+            <a:r>
+              <a:rPr lang="it-IT" dirty="0">
+                <a:latin typeface="Myriad Pro" panose="020B0503030403020204" pitchFamily="34" charset="0"/>
+              </a:rPr>
+              <a:t> </a:t>
+            </a:r>
+            <a:r>
+              <a:rPr lang="it-IT" dirty="0" err="1">
+                <a:latin typeface="Myriad Pro" panose="020B0503030403020204" pitchFamily="34" charset="0"/>
+              </a:rPr>
+              <a:t>not</a:t>
+            </a:r>
+            <a:r>
+              <a:rPr lang="it-IT" dirty="0">
+                <a:latin typeface="Myriad Pro" panose="020B0503030403020204" pitchFamily="34" charset="0"/>
+              </a:rPr>
+              <a:t> </a:t>
+            </a:r>
+            <a:r>
+              <a:rPr lang="it-IT" dirty="0" err="1">
+                <a:latin typeface="Myriad Pro" panose="020B0503030403020204" pitchFamily="34" charset="0"/>
+              </a:rPr>
+              <a:t>significant</a:t>
+            </a:r>
+            <a:r>
+              <a:rPr lang="it-IT" dirty="0">
+                <a:latin typeface="Myriad Pro" panose="020B0503030403020204" pitchFamily="34" charset="0"/>
+              </a:rPr>
+              <a:t> </a:t>
+            </a:r>
+            <a:r>
+              <a:rPr lang="it-IT" dirty="0" err="1">
+                <a:latin typeface="Myriad Pro" panose="020B0503030403020204" pitchFamily="34" charset="0"/>
+              </a:rPr>
+              <a:t>at</a:t>
+            </a:r>
+            <a:r>
+              <a:rPr lang="it-IT" dirty="0">
+                <a:latin typeface="Myriad Pro" panose="020B0503030403020204" pitchFamily="34" charset="0"/>
+              </a:rPr>
+              <a:t> </a:t>
+            </a:r>
+            <a:r>
+              <a:rPr lang="it-IT" dirty="0" err="1">
+                <a:latin typeface="Myriad Pro" panose="020B0503030403020204" pitchFamily="34" charset="0"/>
+              </a:rPr>
+              <a:t>all</a:t>
+            </a:r>
+            <a:r>
+              <a:rPr lang="it-IT" dirty="0">
+                <a:latin typeface="Myriad Pro" panose="020B0503030403020204" pitchFamily="34" charset="0"/>
+              </a:rPr>
+              <a:t> for the </a:t>
+            </a:r>
+            <a:r>
+              <a:rPr lang="it-IT" dirty="0" err="1">
+                <a:latin typeface="Myriad Pro" panose="020B0503030403020204" pitchFamily="34" charset="0"/>
+              </a:rPr>
+              <a:t>prediction</a:t>
+            </a:r>
+            <a:r>
+              <a:rPr lang="it-IT" dirty="0">
+                <a:latin typeface="Myriad Pro" panose="020B0503030403020204" pitchFamily="34" charset="0"/>
+              </a:rPr>
+              <a:t>.</a:t>
+            </a:r>
+            <a:endParaRPr lang="it-IT" i="1" dirty="0">
+              <a:latin typeface="Myriad Pro" panose="020B0503030403020204" pitchFamily="34" charset="0"/>
+            </a:endParaRPr>
+          </a:p>
+          <a:p>
+            <a:endParaRPr lang="it-IT" dirty="0">
+              <a:latin typeface="Myriad Pro" panose="020B0503030403020204" pitchFamily="34" charset="0"/>
+            </a:endParaRPr>
+          </a:p>
+          <a:p>
+            <a:r>
+              <a:rPr lang="it-IT" dirty="0">
+                <a:latin typeface="Myriad Pro" panose="020B0503030403020204" pitchFamily="34" charset="0"/>
+              </a:rPr>
               <a:t>INSERIRE SCREEN</a:t>
             </a:r>
           </a:p>
@@ -6674,10 +8496,10 @@
       </p:sp>
       <p:sp>
         <p:nvSpPr>
-          <p:cNvPr id="7" name="Titolo 6">
-            <a:extLst>
-              <a:ext uri="{FF2B5EF4-FFF2-40B4-BE49-F238E27FC236}">
-                <a16:creationId xmlns:a16="http://schemas.microsoft.com/office/drawing/2014/main" id="{5221983B-32F0-4B40-AE50-21B1A87850B0}"/>
+          <p:cNvPr id="8" name="Titolo 6">
+            <a:extLst>
+              <a:ext uri="{FF2B5EF4-FFF2-40B4-BE49-F238E27FC236}">
+                <a16:creationId xmlns:a16="http://schemas.microsoft.com/office/drawing/2014/main" id="{BE2C7891-6A5D-3D40-B5BE-7DC386A71C9C}"/>
               </a:ext>
             </a:extLst>
           </p:cNvPr>
@@ -6688,7 +8510,7 @@
         </p:nvSpPr>
         <p:spPr>
           <a:xfrm>
-            <a:off x="481936" y="449837"/>
+            <a:off x="838200" y="575260"/>
             <a:ext cx="5515099" cy="834283"/>
           </a:xfrm>
           <a:prstGeom prst="rect">
@@ -6720,72 +8542,440 @@
           </a:lstStyle>
           <a:p>
             <a:r>
+              <a:rPr lang="it-IT" sz="2000" b="1" dirty="0" err="1">
+                <a:latin typeface="Myriad Pro" panose="020B0503030403020204" pitchFamily="34" charset="0"/>
+              </a:rPr>
+              <a:t>Errors</a:t>
+            </a:r>
+            <a:r>
               <a:rPr lang="it-IT" sz="2000" b="1" dirty="0">
                 <a:latin typeface="Myriad Pro" panose="020B0503030403020204" pitchFamily="34" charset="0"/>
               </a:rPr>
-              <a:t>Date format</a:t>
-            </a:r>
-          </a:p>
-        </p:txBody>
-      </p:sp>
-      <p:sp>
-        <p:nvSpPr>
-          <p:cNvPr id="8" name="Titolo 6">
-            <a:extLst>
-              <a:ext uri="{FF2B5EF4-FFF2-40B4-BE49-F238E27FC236}">
-                <a16:creationId xmlns:a16="http://schemas.microsoft.com/office/drawing/2014/main" id="{BE2C7891-6A5D-3D40-B5BE-7DC386A71C9C}"/>
-              </a:ext>
-            </a:extLst>
-          </p:cNvPr>
-          <p:cNvSpPr txBox="1">
-            <a:spLocks/>
-          </p:cNvSpPr>
+              <a:t> in the data</a:t>
+            </a:r>
+          </a:p>
+        </p:txBody>
+      </p:sp>
+      <p:sp>
+        <p:nvSpPr>
+          <p:cNvPr id="9" name="CasellaDiTesto 8">
+            <a:extLst>
+              <a:ext uri="{FF2B5EF4-FFF2-40B4-BE49-F238E27FC236}">
+                <a16:creationId xmlns:a16="http://schemas.microsoft.com/office/drawing/2014/main" id="{8AFDFCD0-ECB3-814A-9B99-44F772FE027F}"/>
+              </a:ext>
+            </a:extLst>
+          </p:cNvPr>
+          <p:cNvSpPr txBox="1"/>
           <p:nvPr/>
         </p:nvSpPr>
         <p:spPr>
           <a:xfrm>
-            <a:off x="481934" y="2985951"/>
-            <a:ext cx="5515099" cy="834283"/>
+            <a:off x="838200" y="1409543"/>
+            <a:ext cx="9360230" cy="2308324"/>
           </a:xfrm>
           <a:prstGeom prst="rect">
             <a:avLst/>
           </a:prstGeom>
+          <a:noFill/>
         </p:spPr>
         <p:txBody>
-          <a:bodyPr vert="horz" lIns="91440" tIns="45720" rIns="91440" bIns="45720" rtlCol="0" anchor="ctr">
-            <a:normAutofit/>
+          <a:bodyPr wrap="square" rtlCol="0">
+            <a:spAutoFit/>
           </a:bodyPr>
-          <a:lstStyle>
-            <a:lvl1pPr algn="l" defTabSz="914400" rtl="0" eaLnBrk="1" latinLnBrk="0" hangingPunct="1">
-              <a:lnSpc>
-                <a:spcPct val="90000"/>
-              </a:lnSpc>
-              <a:spcBef>
-                <a:spcPct val="0"/>
-              </a:spcBef>
-              <a:buNone/>
-              <a:defRPr sz="4400" kern="1200">
-                <a:solidFill>
-                  <a:schemeClr val="tx1"/>
-                </a:solidFill>
-                <a:latin typeface="+mj-lt"/>
-                <a:ea typeface="+mj-ea"/>
-                <a:cs typeface="+mj-cs"/>
-              </a:defRPr>
-            </a:lvl1pPr>
-          </a:lstStyle>
-          <a:p>
-            <a:r>
-              <a:rPr lang="it-IT" sz="2000" b="1" dirty="0" err="1">
-                <a:latin typeface="Myriad Pro" panose="020B0503030403020204" pitchFamily="34" charset="0"/>
-              </a:rPr>
-              <a:t>Errors</a:t>
-            </a:r>
-            <a:r>
-              <a:rPr lang="it-IT" sz="2000" b="1" dirty="0">
-                <a:latin typeface="Myriad Pro" panose="020B0503030403020204" pitchFamily="34" charset="0"/>
-              </a:rPr>
-              <a:t> in the data</a:t>
+          <a:lstStyle/>
+          <a:p>
+            <a:r>
+              <a:rPr lang="it-IT" u="sng" dirty="0" err="1">
+                <a:latin typeface="Myriad Pro" panose="020B0503030403020204" pitchFamily="34" charset="0"/>
+              </a:rPr>
+              <a:t>Problem</a:t>
+            </a:r>
+            <a:r>
+              <a:rPr lang="it-IT" dirty="0">
+                <a:latin typeface="Myriad Pro" panose="020B0503030403020204" pitchFamily="34" charset="0"/>
+              </a:rPr>
+              <a:t>: </a:t>
+            </a:r>
+            <a:r>
+              <a:rPr lang="it-IT" dirty="0" err="1">
+                <a:latin typeface="Myriad Pro" panose="020B0503030403020204" pitchFamily="34" charset="0"/>
+              </a:rPr>
+              <a:t>looking</a:t>
+            </a:r>
+            <a:r>
+              <a:rPr lang="it-IT" dirty="0">
+                <a:latin typeface="Myriad Pro" panose="020B0503030403020204" pitchFamily="34" charset="0"/>
+              </a:rPr>
+              <a:t> </a:t>
+            </a:r>
+            <a:r>
+              <a:rPr lang="it-IT" dirty="0" err="1">
+                <a:latin typeface="Myriad Pro" panose="020B0503030403020204" pitchFamily="34" charset="0"/>
+              </a:rPr>
+              <a:t>at</a:t>
+            </a:r>
+            <a:r>
+              <a:rPr lang="it-IT" dirty="0">
+                <a:latin typeface="Myriad Pro" panose="020B0503030403020204" pitchFamily="34" charset="0"/>
+              </a:rPr>
+              <a:t> the </a:t>
+            </a:r>
+            <a:r>
+              <a:rPr lang="it-IT" dirty="0" err="1">
+                <a:latin typeface="Myriad Pro" panose="020B0503030403020204" pitchFamily="34" charset="0"/>
+              </a:rPr>
+              <a:t>summary</a:t>
+            </a:r>
+            <a:r>
+              <a:rPr lang="it-IT" dirty="0">
+                <a:latin typeface="Myriad Pro" panose="020B0503030403020204" pitchFamily="34" charset="0"/>
+              </a:rPr>
+              <a:t> of the data, </a:t>
+            </a:r>
+            <a:r>
+              <a:rPr lang="it-IT" dirty="0" err="1">
+                <a:latin typeface="Myriad Pro" panose="020B0503030403020204" pitchFamily="34" charset="0"/>
+              </a:rPr>
+              <a:t>we</a:t>
+            </a:r>
+            <a:r>
+              <a:rPr lang="it-IT" dirty="0">
+                <a:latin typeface="Myriad Pro" panose="020B0503030403020204" pitchFamily="34" charset="0"/>
+              </a:rPr>
+              <a:t> </a:t>
+            </a:r>
+            <a:r>
+              <a:rPr lang="it-IT" dirty="0" err="1">
+                <a:latin typeface="Myriad Pro" panose="020B0503030403020204" pitchFamily="34" charset="0"/>
+              </a:rPr>
+              <a:t>found</a:t>
+            </a:r>
+            <a:r>
+              <a:rPr lang="it-IT" dirty="0">
+                <a:latin typeface="Myriad Pro" panose="020B0503030403020204" pitchFamily="34" charset="0"/>
+              </a:rPr>
+              <a:t> strange </a:t>
+            </a:r>
+            <a:r>
+              <a:rPr lang="it-IT" dirty="0" err="1">
+                <a:latin typeface="Myriad Pro" panose="020B0503030403020204" pitchFamily="34" charset="0"/>
+              </a:rPr>
+              <a:t>values</a:t>
+            </a:r>
+            <a:r>
+              <a:rPr lang="it-IT" dirty="0">
+                <a:latin typeface="Myriad Pro" panose="020B0503030403020204" pitchFamily="34" charset="0"/>
+              </a:rPr>
+              <a:t> for </a:t>
+            </a:r>
+            <a:r>
+              <a:rPr lang="it-IT" dirty="0" err="1">
+                <a:latin typeface="Myriad Pro" panose="020B0503030403020204" pitchFamily="34" charset="0"/>
+              </a:rPr>
+              <a:t>one</a:t>
+            </a:r>
+            <a:r>
+              <a:rPr lang="it-IT" dirty="0">
+                <a:latin typeface="Myriad Pro" panose="020B0503030403020204" pitchFamily="34" charset="0"/>
+              </a:rPr>
+              <a:t> </a:t>
+            </a:r>
+            <a:r>
+              <a:rPr lang="it-IT" dirty="0" err="1">
+                <a:latin typeface="Myriad Pro" panose="020B0503030403020204" pitchFamily="34" charset="0"/>
+              </a:rPr>
+              <a:t>row</a:t>
+            </a:r>
+            <a:r>
+              <a:rPr lang="it-IT" dirty="0">
+                <a:latin typeface="Myriad Pro" panose="020B0503030403020204" pitchFamily="34" charset="0"/>
+              </a:rPr>
+              <a:t>, </a:t>
+            </a:r>
+            <a:r>
+              <a:rPr lang="it-IT" dirty="0" err="1">
+                <a:latin typeface="Myriad Pro" panose="020B0503030403020204" pitchFamily="34" charset="0"/>
+              </a:rPr>
+              <a:t>that</a:t>
+            </a:r>
+            <a:r>
+              <a:rPr lang="it-IT" dirty="0">
+                <a:latin typeface="Myriad Pro" panose="020B0503030403020204" pitchFamily="34" charset="0"/>
+              </a:rPr>
+              <a:t> from </a:t>
+            </a:r>
+            <a:r>
+              <a:rPr lang="it-IT" dirty="0" err="1">
+                <a:latin typeface="Myriad Pro" panose="020B0503030403020204" pitchFamily="34" charset="0"/>
+              </a:rPr>
+              <a:t>what</a:t>
+            </a:r>
+            <a:r>
+              <a:rPr lang="it-IT" dirty="0">
+                <a:latin typeface="Myriad Pro" panose="020B0503030403020204" pitchFamily="34" charset="0"/>
+              </a:rPr>
+              <a:t> the data shows </a:t>
+            </a:r>
+            <a:r>
+              <a:rPr lang="it-IT" dirty="0" err="1">
+                <a:latin typeface="Myriad Pro" panose="020B0503030403020204" pitchFamily="34" charset="0"/>
+              </a:rPr>
+              <a:t>should</a:t>
+            </a:r>
+            <a:r>
+              <a:rPr lang="it-IT" dirty="0">
+                <a:latin typeface="Myriad Pro" panose="020B0503030403020204" pitchFamily="34" charset="0"/>
+              </a:rPr>
+              <a:t> be a </a:t>
+            </a:r>
+            <a:r>
+              <a:rPr lang="it-IT" dirty="0"/>
+              <a:t>single-story</a:t>
+            </a:r>
+            <a:r>
+              <a:rPr lang="it-IT" dirty="0">
+                <a:latin typeface="Myriad Pro" panose="020B0503030403020204" pitchFamily="34" charset="0"/>
+              </a:rPr>
+              <a:t> </a:t>
+            </a:r>
+            <a:r>
+              <a:rPr lang="it-IT" dirty="0" err="1">
+                <a:latin typeface="Myriad Pro" panose="020B0503030403020204" pitchFamily="34" charset="0"/>
+              </a:rPr>
+              <a:t>house</a:t>
+            </a:r>
+            <a:r>
+              <a:rPr lang="it-IT" dirty="0">
+                <a:latin typeface="Myriad Pro" panose="020B0503030403020204" pitchFamily="34" charset="0"/>
+              </a:rPr>
+              <a:t> with 33 </a:t>
+            </a:r>
+            <a:r>
+              <a:rPr lang="it-IT" dirty="0" err="1">
+                <a:latin typeface="Myriad Pro" panose="020B0503030403020204" pitchFamily="34" charset="0"/>
+              </a:rPr>
+              <a:t>bedrooms</a:t>
+            </a:r>
+            <a:r>
+              <a:rPr lang="it-IT" dirty="0">
+                <a:latin typeface="Myriad Pro" panose="020B0503030403020204" pitchFamily="34" charset="0"/>
+              </a:rPr>
+              <a:t> and </a:t>
+            </a:r>
+            <a:r>
+              <a:rPr lang="it-IT" dirty="0" err="1">
+                <a:latin typeface="Myriad Pro" panose="020B0503030403020204" pitchFamily="34" charset="0"/>
+              </a:rPr>
+              <a:t>only</a:t>
+            </a:r>
+            <a:r>
+              <a:rPr lang="it-IT" dirty="0">
+                <a:latin typeface="Myriad Pro" panose="020B0503030403020204" pitchFamily="34" charset="0"/>
+              </a:rPr>
+              <a:t> 2 </a:t>
+            </a:r>
+            <a:r>
+              <a:rPr lang="it-IT" dirty="0" err="1">
+                <a:latin typeface="Myriad Pro" panose="020B0503030403020204" pitchFamily="34" charset="0"/>
+              </a:rPr>
+              <a:t>bathrooms</a:t>
+            </a:r>
+            <a:r>
+              <a:rPr lang="it-IT" dirty="0">
+                <a:latin typeface="Myriad Pro" panose="020B0503030403020204" pitchFamily="34" charset="0"/>
+              </a:rPr>
+              <a:t> (</a:t>
+            </a:r>
+            <a:r>
+              <a:rPr lang="it-IT" dirty="0" err="1">
+                <a:latin typeface="Myriad Pro" panose="020B0503030403020204" pitchFamily="34" charset="0"/>
+              </a:rPr>
+              <a:t>less</a:t>
+            </a:r>
+            <a:r>
+              <a:rPr lang="it-IT" dirty="0">
+                <a:latin typeface="Myriad Pro" panose="020B0503030403020204" pitchFamily="34" charset="0"/>
+              </a:rPr>
+              <a:t> </a:t>
+            </a:r>
+            <a:r>
+              <a:rPr lang="it-IT" dirty="0" err="1">
+                <a:latin typeface="Myriad Pro" panose="020B0503030403020204" pitchFamily="34" charset="0"/>
+              </a:rPr>
+              <a:t>than</a:t>
+            </a:r>
+            <a:r>
+              <a:rPr lang="it-IT" dirty="0">
+                <a:latin typeface="Myriad Pro" panose="020B0503030403020204" pitchFamily="34" charset="0"/>
+              </a:rPr>
+              <a:t> 4,5 m</a:t>
+            </a:r>
+            <a:r>
+              <a:rPr lang="it-IT" baseline="30000" dirty="0">
+                <a:latin typeface="Myriad Pro" panose="020B0503030403020204" pitchFamily="34" charset="0"/>
+              </a:rPr>
+              <a:t>2</a:t>
+            </a:r>
+            <a:r>
+              <a:rPr lang="it-IT" dirty="0">
+                <a:latin typeface="Myriad Pro" panose="020B0503030403020204" pitchFamily="34" charset="0"/>
+              </a:rPr>
+              <a:t> per room, </a:t>
+            </a:r>
+            <a:r>
+              <a:rPr lang="it-IT" dirty="0" err="1">
+                <a:latin typeface="Myriad Pro" panose="020B0503030403020204" pitchFamily="34" charset="0"/>
+              </a:rPr>
+              <a:t>which</a:t>
+            </a:r>
+            <a:r>
+              <a:rPr lang="it-IT" dirty="0">
+                <a:latin typeface="Myriad Pro" panose="020B0503030403020204" pitchFamily="34" charset="0"/>
+              </a:rPr>
+              <a:t> </a:t>
+            </a:r>
+            <a:r>
+              <a:rPr lang="it-IT" dirty="0" err="1">
+                <a:latin typeface="Myriad Pro" panose="020B0503030403020204" pitchFamily="34" charset="0"/>
+              </a:rPr>
+              <a:t>is</a:t>
+            </a:r>
+            <a:r>
+              <a:rPr lang="it-IT" dirty="0">
+                <a:latin typeface="Myriad Pro" panose="020B0503030403020204" pitchFamily="34" charset="0"/>
+              </a:rPr>
+              <a:t> </a:t>
+            </a:r>
+            <a:r>
+              <a:rPr lang="it-IT" dirty="0" err="1">
+                <a:latin typeface="Myriad Pro" panose="020B0503030403020204" pitchFamily="34" charset="0"/>
+              </a:rPr>
+              <a:t>almost</a:t>
+            </a:r>
+            <a:r>
+              <a:rPr lang="it-IT" dirty="0">
+                <a:latin typeface="Myriad Pro" panose="020B0503030403020204" pitchFamily="34" charset="0"/>
+              </a:rPr>
+              <a:t> </a:t>
+            </a:r>
+            <a:r>
+              <a:rPr lang="it-IT" dirty="0" err="1">
+                <a:latin typeface="Myriad Pro" panose="020B0503030403020204" pitchFamily="34" charset="0"/>
+              </a:rPr>
+              <a:t>impossible</a:t>
+            </a:r>
+            <a:r>
+              <a:rPr lang="it-IT" dirty="0">
+                <a:latin typeface="Myriad Pro" panose="020B0503030403020204" pitchFamily="34" charset="0"/>
+              </a:rPr>
+              <a:t>). </a:t>
+            </a:r>
+            <a:r>
+              <a:rPr lang="it-IT" dirty="0" err="1">
+                <a:latin typeface="Myriad Pro" panose="020B0503030403020204" pitchFamily="34" charset="0"/>
+              </a:rPr>
+              <a:t>There</a:t>
+            </a:r>
+            <a:r>
+              <a:rPr lang="it-IT" dirty="0">
+                <a:latin typeface="Myriad Pro" panose="020B0503030403020204" pitchFamily="34" charset="0"/>
+              </a:rPr>
+              <a:t> must be some </a:t>
+            </a:r>
+            <a:r>
+              <a:rPr lang="it-IT" dirty="0" err="1">
+                <a:latin typeface="Myriad Pro" panose="020B0503030403020204" pitchFamily="34" charset="0"/>
+              </a:rPr>
+              <a:t>errors</a:t>
+            </a:r>
+            <a:r>
+              <a:rPr lang="it-IT" dirty="0">
+                <a:latin typeface="Myriad Pro" panose="020B0503030403020204" pitchFamily="34" charset="0"/>
+              </a:rPr>
+              <a:t> in the reporting of the data. </a:t>
+            </a:r>
+            <a:endParaRPr lang="it-IT" baseline="30000" dirty="0">
+              <a:latin typeface="Myriad Pro" panose="020B0503030403020204" pitchFamily="34" charset="0"/>
+            </a:endParaRPr>
+          </a:p>
+          <a:p>
+            <a:endParaRPr lang="it-IT" dirty="0">
+              <a:latin typeface="Myriad Pro" panose="020B0503030403020204" pitchFamily="34" charset="0"/>
+            </a:endParaRPr>
+          </a:p>
+          <a:p>
+            <a:r>
+              <a:rPr lang="it-IT" u="sng" dirty="0">
+                <a:latin typeface="Myriad Pro" panose="020B0503030403020204" pitchFamily="34" charset="0"/>
+              </a:rPr>
+              <a:t>Solution</a:t>
+            </a:r>
+            <a:r>
+              <a:rPr lang="it-IT" dirty="0">
+                <a:latin typeface="Myriad Pro" panose="020B0503030403020204" pitchFamily="34" charset="0"/>
+              </a:rPr>
+              <a:t>: </a:t>
+            </a:r>
+            <a:r>
+              <a:rPr lang="it-IT" dirty="0" err="1">
+                <a:latin typeface="Myriad Pro" panose="020B0503030403020204" pitchFamily="34" charset="0"/>
+              </a:rPr>
+              <a:t>we</a:t>
+            </a:r>
+            <a:r>
+              <a:rPr lang="it-IT" dirty="0">
+                <a:latin typeface="Myriad Pro" panose="020B0503030403020204" pitchFamily="34" charset="0"/>
+              </a:rPr>
+              <a:t> delete </a:t>
+            </a:r>
+            <a:r>
+              <a:rPr lang="it-IT" dirty="0" err="1">
+                <a:latin typeface="Myriad Pro" panose="020B0503030403020204" pitchFamily="34" charset="0"/>
+              </a:rPr>
+              <a:t>that</a:t>
+            </a:r>
+            <a:r>
+              <a:rPr lang="it-IT" dirty="0">
+                <a:latin typeface="Myriad Pro" panose="020B0503030403020204" pitchFamily="34" charset="0"/>
+              </a:rPr>
+              <a:t> </a:t>
+            </a:r>
+            <a:r>
+              <a:rPr lang="it-IT" dirty="0" err="1">
+                <a:latin typeface="Myriad Pro" panose="020B0503030403020204" pitchFamily="34" charset="0"/>
+              </a:rPr>
+              <a:t>instance</a:t>
+            </a:r>
+            <a:r>
+              <a:rPr lang="it-IT" dirty="0">
+                <a:latin typeface="Myriad Pro" panose="020B0503030403020204" pitchFamily="34" charset="0"/>
+              </a:rPr>
+              <a:t> from the </a:t>
+            </a:r>
+            <a:r>
+              <a:rPr lang="it-IT" dirty="0" err="1">
+                <a:latin typeface="Myriad Pro" panose="020B0503030403020204" pitchFamily="34" charset="0"/>
+              </a:rPr>
+              <a:t>dataset</a:t>
+            </a:r>
+            <a:r>
+              <a:rPr lang="it-IT" dirty="0">
+                <a:latin typeface="Myriad Pro" panose="020B0503030403020204" pitchFamily="34" charset="0"/>
+              </a:rPr>
+              <a:t>.</a:t>
+            </a:r>
+          </a:p>
+          <a:p>
+            <a:endParaRPr lang="it-IT" dirty="0">
+              <a:latin typeface="Myriad Pro" panose="020B0503030403020204" pitchFamily="34" charset="0"/>
+            </a:endParaRPr>
+          </a:p>
+          <a:p>
+            <a:r>
+              <a:rPr lang="it-IT" dirty="0">
+                <a:latin typeface="Myriad Pro" panose="020B0503030403020204" pitchFamily="34" charset="0"/>
+              </a:rPr>
+              <a:t>INSERIRE SCREEN </a:t>
             </a:r>
           </a:p>
         </p:txBody>
@@ -6932,7 +9122,7 @@
         </p:nvSpPr>
         <p:spPr>
           <a:xfrm>
-            <a:off x="838200" y="628947"/>
+            <a:off x="823850" y="465968"/>
             <a:ext cx="5515099" cy="834283"/>
           </a:xfrm>
           <a:prstGeom prst="rect">
@@ -6985,7 +9175,7 @@
               <a:rPr lang="it-IT" sz="2000" b="1" dirty="0">
                 <a:latin typeface="Myriad Pro" panose="020B0503030403020204" pitchFamily="34" charset="0"/>
               </a:rPr>
-              <a:t> </a:t>
+              <a:t>  </a:t>
             </a:r>
             <a:r>
               <a:rPr lang="it-IT" sz="2000" b="1" dirty="0" err="1">
@@ -6994,6 +9184,969 @@
               <a:t>feature</a:t>
             </a:r>
             <a:endParaRPr lang="it-IT" sz="2000" b="1" dirty="0">
+              <a:latin typeface="Myriad Pro" panose="020B0503030403020204" pitchFamily="34" charset="0"/>
+            </a:endParaRPr>
+          </a:p>
+        </p:txBody>
+      </p:sp>
+      <p:sp>
+        <p:nvSpPr>
+          <p:cNvPr id="8" name="Titolo 6">
+            <a:extLst>
+              <a:ext uri="{FF2B5EF4-FFF2-40B4-BE49-F238E27FC236}">
+                <a16:creationId xmlns:a16="http://schemas.microsoft.com/office/drawing/2014/main" id="{CDB0E6E7-CC21-2443-AEE2-B4D68E373F7C}"/>
+              </a:ext>
+            </a:extLst>
+          </p:cNvPr>
+          <p:cNvSpPr txBox="1">
+            <a:spLocks/>
+          </p:cNvSpPr>
+          <p:nvPr/>
+        </p:nvSpPr>
+        <p:spPr>
+          <a:xfrm>
+            <a:off x="823849" y="3404278"/>
+            <a:ext cx="5515099" cy="834283"/>
+          </a:xfrm>
+          <a:prstGeom prst="rect">
+            <a:avLst/>
+          </a:prstGeom>
+        </p:spPr>
+        <p:txBody>
+          <a:bodyPr vert="horz" lIns="91440" tIns="45720" rIns="91440" bIns="45720" rtlCol="0" anchor="ctr">
+            <a:normAutofit/>
+          </a:bodyPr>
+          <a:lstStyle>
+            <a:lvl1pPr algn="l" defTabSz="914400" rtl="0" eaLnBrk="1" latinLnBrk="0" hangingPunct="1">
+              <a:lnSpc>
+                <a:spcPct val="90000"/>
+              </a:lnSpc>
+              <a:spcBef>
+                <a:spcPct val="0"/>
+              </a:spcBef>
+              <a:buNone/>
+              <a:defRPr sz="4400" kern="1200">
+                <a:solidFill>
+                  <a:schemeClr val="tx1"/>
+                </a:solidFill>
+                <a:latin typeface="+mj-lt"/>
+                <a:ea typeface="+mj-ea"/>
+                <a:cs typeface="+mj-cs"/>
+              </a:defRPr>
+            </a:lvl1pPr>
+          </a:lstStyle>
+          <a:p>
+            <a:r>
+              <a:rPr lang="it-IT" sz="2000" b="1" dirty="0">
+                <a:latin typeface="Myriad Pro" panose="020B0503030403020204" pitchFamily="34" charset="0"/>
+              </a:rPr>
+              <a:t>Date </a:t>
+            </a:r>
+            <a:r>
+              <a:rPr lang="it-IT" sz="2000" b="1" dirty="0" err="1">
+                <a:latin typeface="Myriad Pro" panose="020B0503030403020204" pitchFamily="34" charset="0"/>
+              </a:rPr>
+              <a:t>semantic</a:t>
+            </a:r>
+            <a:r>
+              <a:rPr lang="it-IT" sz="2000" b="1" dirty="0">
+                <a:latin typeface="Myriad Pro" panose="020B0503030403020204" pitchFamily="34" charset="0"/>
+              </a:rPr>
+              <a:t>/format</a:t>
+            </a:r>
+          </a:p>
+        </p:txBody>
+      </p:sp>
+      <p:sp>
+        <p:nvSpPr>
+          <p:cNvPr id="9" name="CasellaDiTesto 8">
+            <a:extLst>
+              <a:ext uri="{FF2B5EF4-FFF2-40B4-BE49-F238E27FC236}">
+                <a16:creationId xmlns:a16="http://schemas.microsoft.com/office/drawing/2014/main" id="{236CA13E-E070-3F42-957E-766AEC0CB150}"/>
+              </a:ext>
+            </a:extLst>
+          </p:cNvPr>
+          <p:cNvSpPr txBox="1"/>
+          <p:nvPr/>
+        </p:nvSpPr>
+        <p:spPr>
+          <a:xfrm>
+            <a:off x="823850" y="1246564"/>
+            <a:ext cx="9360230" cy="1477328"/>
+          </a:xfrm>
+          <a:prstGeom prst="rect">
+            <a:avLst/>
+          </a:prstGeom>
+          <a:noFill/>
+        </p:spPr>
+        <p:txBody>
+          <a:bodyPr wrap="square" rtlCol="0">
+            <a:spAutoFit/>
+          </a:bodyPr>
+          <a:lstStyle/>
+          <a:p>
+            <a:r>
+              <a:rPr lang="it-IT" u="sng" dirty="0" err="1">
+                <a:latin typeface="Myriad Pro" panose="020B0503030403020204" pitchFamily="34" charset="0"/>
+              </a:rPr>
+              <a:t>Problem</a:t>
+            </a:r>
+            <a:r>
+              <a:rPr lang="it-IT" dirty="0">
+                <a:latin typeface="Myriad Pro" panose="020B0503030403020204" pitchFamily="34" charset="0"/>
+              </a:rPr>
+              <a:t>: the </a:t>
+            </a:r>
+            <a:r>
+              <a:rPr lang="it-IT" dirty="0" err="1">
+                <a:latin typeface="Myriad Pro" panose="020B0503030403020204" pitchFamily="34" charset="0"/>
+              </a:rPr>
+              <a:t>feature</a:t>
+            </a:r>
+            <a:r>
+              <a:rPr lang="it-IT" dirty="0">
+                <a:latin typeface="Myriad Pro" panose="020B0503030403020204" pitchFamily="34" charset="0"/>
+              </a:rPr>
+              <a:t> </a:t>
+            </a:r>
+            <a:r>
+              <a:rPr lang="it-IT" i="1" dirty="0" err="1">
+                <a:latin typeface="Myriad Pro" panose="020B0503030403020204" pitchFamily="34" charset="0"/>
+              </a:rPr>
+              <a:t>yr_renovated</a:t>
+            </a:r>
+            <a:r>
+              <a:rPr lang="it-IT" i="1" dirty="0">
+                <a:latin typeface="Myriad Pro" panose="020B0503030403020204" pitchFamily="34" charset="0"/>
+              </a:rPr>
+              <a:t> </a:t>
+            </a:r>
+            <a:r>
+              <a:rPr lang="it-IT" dirty="0" err="1">
+                <a:latin typeface="Myriad Pro" panose="020B0503030403020204" pitchFamily="34" charset="0"/>
+              </a:rPr>
+              <a:t>is</a:t>
+            </a:r>
+            <a:r>
+              <a:rPr lang="it-IT" dirty="0">
+                <a:latin typeface="Myriad Pro" panose="020B0503030403020204" pitchFamily="34" charset="0"/>
+              </a:rPr>
+              <a:t> </a:t>
+            </a:r>
+            <a:r>
+              <a:rPr lang="it-IT" dirty="0" err="1">
+                <a:latin typeface="Myriad Pro" panose="020B0503030403020204" pitchFamily="34" charset="0"/>
+              </a:rPr>
+              <a:t>coded</a:t>
+            </a:r>
+            <a:r>
+              <a:rPr lang="it-IT" dirty="0">
+                <a:latin typeface="Myriad Pro" panose="020B0503030403020204" pitchFamily="34" charset="0"/>
+              </a:rPr>
+              <a:t> </a:t>
+            </a:r>
+            <a:r>
+              <a:rPr lang="it-IT" dirty="0" err="1">
+                <a:latin typeface="Myriad Pro" panose="020B0503030403020204" pitchFamily="34" charset="0"/>
+              </a:rPr>
+              <a:t>as</a:t>
+            </a:r>
+            <a:r>
+              <a:rPr lang="it-IT" dirty="0">
+                <a:latin typeface="Myriad Pro" panose="020B0503030403020204" pitchFamily="34" charset="0"/>
+              </a:rPr>
+              <a:t> 0 </a:t>
+            </a:r>
+            <a:r>
+              <a:rPr lang="it-IT" dirty="0" err="1">
+                <a:latin typeface="Myriad Pro" panose="020B0503030403020204" pitchFamily="34" charset="0"/>
+              </a:rPr>
+              <a:t>if</a:t>
+            </a:r>
+            <a:r>
+              <a:rPr lang="it-IT" dirty="0">
+                <a:latin typeface="Myriad Pro" panose="020B0503030403020204" pitchFamily="34" charset="0"/>
+              </a:rPr>
+              <a:t> no </a:t>
+            </a:r>
+            <a:r>
+              <a:rPr lang="it-IT" dirty="0" err="1">
+                <a:latin typeface="Myriad Pro" panose="020B0503030403020204" pitchFamily="34" charset="0"/>
+              </a:rPr>
+              <a:t>renovation</a:t>
+            </a:r>
+            <a:r>
+              <a:rPr lang="it-IT" dirty="0">
+                <a:latin typeface="Myriad Pro" panose="020B0503030403020204" pitchFamily="34" charset="0"/>
+              </a:rPr>
+              <a:t> </a:t>
+            </a:r>
+            <a:r>
+              <a:rPr lang="it-IT" dirty="0" err="1">
+                <a:latin typeface="Myriad Pro" panose="020B0503030403020204" pitchFamily="34" charset="0"/>
+              </a:rPr>
+              <a:t>has</a:t>
+            </a:r>
+            <a:r>
+              <a:rPr lang="it-IT" dirty="0">
+                <a:latin typeface="Myriad Pro" panose="020B0503030403020204" pitchFamily="34" charset="0"/>
+              </a:rPr>
+              <a:t> </a:t>
+            </a:r>
+            <a:r>
+              <a:rPr lang="it-IT" dirty="0" err="1">
+                <a:latin typeface="Myriad Pro" panose="020B0503030403020204" pitchFamily="34" charset="0"/>
+              </a:rPr>
+              <a:t>been</a:t>
+            </a:r>
+            <a:r>
+              <a:rPr lang="it-IT" dirty="0">
+                <a:latin typeface="Myriad Pro" panose="020B0503030403020204" pitchFamily="34" charset="0"/>
+              </a:rPr>
+              <a:t> </a:t>
+            </a:r>
+            <a:r>
+              <a:rPr lang="it-IT" dirty="0" err="1">
+                <a:latin typeface="Myriad Pro" panose="020B0503030403020204" pitchFamily="34" charset="0"/>
+              </a:rPr>
+              <a:t>done</a:t>
+            </a:r>
+            <a:r>
+              <a:rPr lang="it-IT" dirty="0">
+                <a:latin typeface="Myriad Pro" panose="020B0503030403020204" pitchFamily="34" charset="0"/>
+              </a:rPr>
+              <a:t> on the </a:t>
+            </a:r>
+            <a:r>
+              <a:rPr lang="it-IT" dirty="0" err="1">
+                <a:latin typeface="Myriad Pro" panose="020B0503030403020204" pitchFamily="34" charset="0"/>
+              </a:rPr>
+              <a:t>house</a:t>
+            </a:r>
+            <a:r>
+              <a:rPr lang="it-IT" dirty="0">
+                <a:latin typeface="Myriad Pro" panose="020B0503030403020204" pitchFamily="34" charset="0"/>
+              </a:rPr>
+              <a:t>, </a:t>
+            </a:r>
+            <a:r>
+              <a:rPr lang="it-IT" dirty="0" err="1">
+                <a:latin typeface="Myriad Pro" panose="020B0503030403020204" pitchFamily="34" charset="0"/>
+              </a:rPr>
+              <a:t>otherwise</a:t>
+            </a:r>
+            <a:r>
+              <a:rPr lang="it-IT" dirty="0">
+                <a:latin typeface="Myriad Pro" panose="020B0503030403020204" pitchFamily="34" charset="0"/>
+              </a:rPr>
+              <a:t> </a:t>
+            </a:r>
+            <a:r>
+              <a:rPr lang="it-IT" dirty="0" err="1">
+                <a:latin typeface="Myriad Pro" panose="020B0503030403020204" pitchFamily="34" charset="0"/>
+              </a:rPr>
+              <a:t>it</a:t>
+            </a:r>
+            <a:r>
+              <a:rPr lang="it-IT" dirty="0">
+                <a:latin typeface="Myriad Pro" panose="020B0503030403020204" pitchFamily="34" charset="0"/>
+              </a:rPr>
+              <a:t> </a:t>
+            </a:r>
+            <a:r>
+              <a:rPr lang="it-IT" dirty="0" err="1">
+                <a:latin typeface="Myriad Pro" panose="020B0503030403020204" pitchFamily="34" charset="0"/>
+              </a:rPr>
+              <a:t>keeps</a:t>
+            </a:r>
+            <a:r>
+              <a:rPr lang="it-IT" dirty="0">
+                <a:latin typeface="Myriad Pro" panose="020B0503030403020204" pitchFamily="34" charset="0"/>
+              </a:rPr>
+              <a:t> the last </a:t>
+            </a:r>
+            <a:r>
+              <a:rPr lang="it-IT" dirty="0" err="1">
+                <a:latin typeface="Myriad Pro" panose="020B0503030403020204" pitchFamily="34" charset="0"/>
+              </a:rPr>
+              <a:t>renovation</a:t>
+            </a:r>
+            <a:r>
+              <a:rPr lang="it-IT" dirty="0">
+                <a:latin typeface="Myriad Pro" panose="020B0503030403020204" pitchFamily="34" charset="0"/>
+              </a:rPr>
+              <a:t> </a:t>
+            </a:r>
+            <a:r>
+              <a:rPr lang="it-IT" dirty="0" err="1">
+                <a:latin typeface="Myriad Pro" panose="020B0503030403020204" pitchFamily="34" charset="0"/>
+              </a:rPr>
+              <a:t>year</a:t>
+            </a:r>
+            <a:endParaRPr lang="it-IT" dirty="0">
+              <a:latin typeface="Myriad Pro" panose="020B0503030403020204" pitchFamily="34" charset="0"/>
+            </a:endParaRPr>
+          </a:p>
+          <a:p>
+            <a:endParaRPr lang="it-IT" dirty="0">
+              <a:latin typeface="Myriad Pro" panose="020B0503030403020204" pitchFamily="34" charset="0"/>
+            </a:endParaRPr>
+          </a:p>
+          <a:p>
+            <a:r>
+              <a:rPr lang="it-IT" u="sng" dirty="0">
+                <a:latin typeface="Myriad Pro" panose="020B0503030403020204" pitchFamily="34" charset="0"/>
+              </a:rPr>
+              <a:t>Solution</a:t>
+            </a:r>
+            <a:r>
+              <a:rPr lang="it-IT" dirty="0">
+                <a:latin typeface="Myriad Pro" panose="020B0503030403020204" pitchFamily="34" charset="0"/>
+              </a:rPr>
+              <a:t>: To </a:t>
+            </a:r>
+            <a:r>
+              <a:rPr lang="it-IT" dirty="0" err="1">
+                <a:latin typeface="Myriad Pro" panose="020B0503030403020204" pitchFamily="34" charset="0"/>
+              </a:rPr>
+              <a:t>avoid</a:t>
+            </a:r>
+            <a:r>
+              <a:rPr lang="it-IT" dirty="0">
+                <a:latin typeface="Myriad Pro" panose="020B0503030403020204" pitchFamily="34" charset="0"/>
+              </a:rPr>
+              <a:t> </a:t>
+            </a:r>
+            <a:r>
+              <a:rPr lang="it-IT" dirty="0" err="1">
+                <a:latin typeface="Myriad Pro" panose="020B0503030403020204" pitchFamily="34" charset="0"/>
+              </a:rPr>
+              <a:t>this</a:t>
+            </a:r>
+            <a:r>
+              <a:rPr lang="it-IT" dirty="0">
+                <a:latin typeface="Myriad Pro" panose="020B0503030403020204" pitchFamily="34" charset="0"/>
+              </a:rPr>
+              <a:t> </a:t>
+            </a:r>
+            <a:r>
+              <a:rPr lang="it-IT" dirty="0" err="1">
+                <a:latin typeface="Myriad Pro" panose="020B0503030403020204" pitchFamily="34" charset="0"/>
+              </a:rPr>
+              <a:t>difference</a:t>
+            </a:r>
+            <a:r>
+              <a:rPr lang="it-IT" dirty="0">
+                <a:latin typeface="Myriad Pro" panose="020B0503030403020204" pitchFamily="34" charset="0"/>
+              </a:rPr>
+              <a:t> in the </a:t>
+            </a:r>
+            <a:r>
+              <a:rPr lang="it-IT" dirty="0" err="1">
+                <a:latin typeface="Myriad Pro" panose="020B0503030403020204" pitchFamily="34" charset="0"/>
+              </a:rPr>
+              <a:t>semantic</a:t>
+            </a:r>
+            <a:r>
+              <a:rPr lang="it-IT" dirty="0">
+                <a:latin typeface="Myriad Pro" panose="020B0503030403020204" pitchFamily="34" charset="0"/>
+              </a:rPr>
+              <a:t> of the </a:t>
+            </a:r>
+            <a:r>
+              <a:rPr lang="it-IT" dirty="0" err="1">
+                <a:latin typeface="Myriad Pro" panose="020B0503030403020204" pitchFamily="34" charset="0"/>
+              </a:rPr>
+              <a:t>feature</a:t>
+            </a:r>
+            <a:r>
+              <a:rPr lang="it-IT" dirty="0">
+                <a:latin typeface="Myriad Pro" panose="020B0503030403020204" pitchFamily="34" charset="0"/>
+              </a:rPr>
+              <a:t>, </a:t>
+            </a:r>
+            <a:r>
+              <a:rPr lang="it-IT" dirty="0" err="1">
+                <a:latin typeface="Myriad Pro" panose="020B0503030403020204" pitchFamily="34" charset="0"/>
+              </a:rPr>
+              <a:t>we</a:t>
+            </a:r>
+            <a:r>
+              <a:rPr lang="it-IT" dirty="0">
+                <a:latin typeface="Myriad Pro" panose="020B0503030403020204" pitchFamily="34" charset="0"/>
+              </a:rPr>
+              <a:t> </a:t>
+            </a:r>
+            <a:r>
+              <a:rPr lang="it-IT" dirty="0" err="1">
+                <a:latin typeface="Myriad Pro" panose="020B0503030403020204" pitchFamily="34" charset="0"/>
+              </a:rPr>
+              <a:t>transform</a:t>
+            </a:r>
+            <a:r>
+              <a:rPr lang="it-IT" dirty="0">
+                <a:latin typeface="Myriad Pro" panose="020B0503030403020204" pitchFamily="34" charset="0"/>
+              </a:rPr>
+              <a:t> </a:t>
+            </a:r>
+            <a:r>
+              <a:rPr lang="it-IT" dirty="0" err="1">
+                <a:latin typeface="Myriad Pro" panose="020B0503030403020204" pitchFamily="34" charset="0"/>
+              </a:rPr>
+              <a:t>it</a:t>
+            </a:r>
+            <a:r>
+              <a:rPr lang="it-IT" dirty="0">
+                <a:latin typeface="Myriad Pro" panose="020B0503030403020204" pitchFamily="34" charset="0"/>
+              </a:rPr>
+              <a:t> in the </a:t>
+            </a:r>
+            <a:r>
+              <a:rPr lang="it-IT" dirty="0" err="1">
+                <a:latin typeface="Myriad Pro" panose="020B0503030403020204" pitchFamily="34" charset="0"/>
+              </a:rPr>
+              <a:t>year</a:t>
+            </a:r>
+            <a:r>
+              <a:rPr lang="it-IT" dirty="0">
+                <a:latin typeface="Myriad Pro" panose="020B0503030403020204" pitchFamily="34" charset="0"/>
+              </a:rPr>
+              <a:t> of the last </a:t>
+            </a:r>
+            <a:r>
+              <a:rPr lang="it-IT" dirty="0" err="1">
+                <a:latin typeface="Myriad Pro" panose="020B0503030403020204" pitchFamily="34" charset="0"/>
+              </a:rPr>
+              <a:t>renovation</a:t>
+            </a:r>
+            <a:r>
+              <a:rPr lang="it-IT" dirty="0">
+                <a:latin typeface="Myriad Pro" panose="020B0503030403020204" pitchFamily="34" charset="0"/>
+              </a:rPr>
+              <a:t> of the </a:t>
+            </a:r>
+            <a:r>
+              <a:rPr lang="it-IT" dirty="0" err="1">
+                <a:latin typeface="Myriad Pro" panose="020B0503030403020204" pitchFamily="34" charset="0"/>
+              </a:rPr>
+              <a:t>house</a:t>
+            </a:r>
+            <a:r>
+              <a:rPr lang="it-IT" dirty="0">
+                <a:latin typeface="Myriad Pro" panose="020B0503030403020204" pitchFamily="34" charset="0"/>
+              </a:rPr>
+              <a:t>: </a:t>
+            </a:r>
+            <a:r>
+              <a:rPr lang="it-IT" dirty="0" err="1">
+                <a:latin typeface="Myriad Pro" panose="020B0503030403020204" pitchFamily="34" charset="0"/>
+              </a:rPr>
+              <a:t>if</a:t>
+            </a:r>
+            <a:r>
+              <a:rPr lang="it-IT" dirty="0">
+                <a:latin typeface="Myriad Pro" panose="020B0503030403020204" pitchFamily="34" charset="0"/>
+              </a:rPr>
+              <a:t> a </a:t>
+            </a:r>
+            <a:r>
+              <a:rPr lang="it-IT" dirty="0" err="1">
+                <a:latin typeface="Myriad Pro" panose="020B0503030403020204" pitchFamily="34" charset="0"/>
+              </a:rPr>
+              <a:t>house</a:t>
+            </a:r>
+            <a:r>
+              <a:rPr lang="it-IT" dirty="0">
+                <a:latin typeface="Myriad Pro" panose="020B0503030403020204" pitchFamily="34" charset="0"/>
+              </a:rPr>
+              <a:t> </a:t>
+            </a:r>
+            <a:r>
+              <a:rPr lang="it-IT" dirty="0" err="1">
+                <a:latin typeface="Myriad Pro" panose="020B0503030403020204" pitchFamily="34" charset="0"/>
+              </a:rPr>
+              <a:t>has</a:t>
+            </a:r>
+            <a:r>
+              <a:rPr lang="it-IT" dirty="0">
+                <a:latin typeface="Myriad Pro" panose="020B0503030403020204" pitchFamily="34" charset="0"/>
+              </a:rPr>
+              <a:t> </a:t>
+            </a:r>
+            <a:r>
+              <a:rPr lang="it-IT" dirty="0" err="1">
+                <a:latin typeface="Myriad Pro" panose="020B0503030403020204" pitchFamily="34" charset="0"/>
+              </a:rPr>
+              <a:t>never</a:t>
+            </a:r>
+            <a:r>
+              <a:rPr lang="it-IT" dirty="0">
+                <a:latin typeface="Myriad Pro" panose="020B0503030403020204" pitchFamily="34" charset="0"/>
+              </a:rPr>
+              <a:t> </a:t>
+            </a:r>
+            <a:r>
+              <a:rPr lang="it-IT" dirty="0" err="1">
+                <a:latin typeface="Myriad Pro" panose="020B0503030403020204" pitchFamily="34" charset="0"/>
+              </a:rPr>
+              <a:t>been</a:t>
+            </a:r>
+            <a:r>
+              <a:rPr lang="it-IT" dirty="0">
+                <a:latin typeface="Myriad Pro" panose="020B0503030403020204" pitchFamily="34" charset="0"/>
+              </a:rPr>
+              <a:t> </a:t>
+            </a:r>
+            <a:r>
+              <a:rPr lang="it-IT" dirty="0" err="1">
+                <a:latin typeface="Myriad Pro" panose="020B0503030403020204" pitchFamily="34" charset="0"/>
+              </a:rPr>
+              <a:t>renovated</a:t>
+            </a:r>
+            <a:r>
+              <a:rPr lang="it-IT" dirty="0">
+                <a:latin typeface="Myriad Pro" panose="020B0503030403020204" pitchFamily="34" charset="0"/>
+              </a:rPr>
+              <a:t>, </a:t>
+            </a:r>
+            <a:r>
+              <a:rPr lang="it-IT" dirty="0" err="1">
+                <a:latin typeface="Myriad Pro" panose="020B0503030403020204" pitchFamily="34" charset="0"/>
+              </a:rPr>
+              <a:t>we</a:t>
+            </a:r>
+            <a:r>
+              <a:rPr lang="it-IT" dirty="0">
+                <a:latin typeface="Myriad Pro" panose="020B0503030403020204" pitchFamily="34" charset="0"/>
+              </a:rPr>
+              <a:t> use the </a:t>
+            </a:r>
+            <a:r>
+              <a:rPr lang="it-IT" dirty="0" err="1">
+                <a:latin typeface="Myriad Pro" panose="020B0503030403020204" pitchFamily="34" charset="0"/>
+              </a:rPr>
+              <a:t>construction</a:t>
+            </a:r>
+            <a:r>
+              <a:rPr lang="it-IT" dirty="0">
+                <a:latin typeface="Myriad Pro" panose="020B0503030403020204" pitchFamily="34" charset="0"/>
+              </a:rPr>
+              <a:t> </a:t>
+            </a:r>
+            <a:r>
+              <a:rPr lang="it-IT" dirty="0" err="1">
+                <a:latin typeface="Myriad Pro" panose="020B0503030403020204" pitchFamily="34" charset="0"/>
+              </a:rPr>
+              <a:t>year</a:t>
+            </a:r>
+            <a:r>
+              <a:rPr lang="it-IT" dirty="0">
+                <a:latin typeface="Myriad Pro" panose="020B0503030403020204" pitchFamily="34" charset="0"/>
+              </a:rPr>
+              <a:t>.</a:t>
+            </a:r>
+            <a:endParaRPr lang="it-IT" baseline="30000" dirty="0">
+              <a:latin typeface="Myriad Pro" panose="020B0503030403020204" pitchFamily="34" charset="0"/>
+            </a:endParaRPr>
+          </a:p>
+        </p:txBody>
+      </p:sp>
+      <p:sp>
+        <p:nvSpPr>
+          <p:cNvPr id="10" name="CasellaDiTesto 9">
+            <a:extLst>
+              <a:ext uri="{FF2B5EF4-FFF2-40B4-BE49-F238E27FC236}">
+                <a16:creationId xmlns:a16="http://schemas.microsoft.com/office/drawing/2014/main" id="{D65CCF4A-0337-F243-92C5-5204FB5FA1C0}"/>
+              </a:ext>
+            </a:extLst>
+          </p:cNvPr>
+          <p:cNvSpPr txBox="1"/>
+          <p:nvPr/>
+        </p:nvSpPr>
+        <p:spPr>
+          <a:xfrm>
+            <a:off x="838200" y="4230588"/>
+            <a:ext cx="9360230" cy="1477328"/>
+          </a:xfrm>
+          <a:prstGeom prst="rect">
+            <a:avLst/>
+          </a:prstGeom>
+          <a:noFill/>
+        </p:spPr>
+        <p:txBody>
+          <a:bodyPr wrap="square" rtlCol="0">
+            <a:spAutoFit/>
+          </a:bodyPr>
+          <a:lstStyle/>
+          <a:p>
+            <a:r>
+              <a:rPr lang="it-IT" u="sng" dirty="0" err="1">
+                <a:latin typeface="Myriad Pro" panose="020B0503030403020204" pitchFamily="34" charset="0"/>
+              </a:rPr>
+              <a:t>Problem</a:t>
+            </a:r>
+            <a:r>
+              <a:rPr lang="it-IT" dirty="0">
+                <a:latin typeface="Myriad Pro" panose="020B0503030403020204" pitchFamily="34" charset="0"/>
+              </a:rPr>
+              <a:t>: the format of the </a:t>
+            </a:r>
+            <a:r>
+              <a:rPr lang="it-IT" dirty="0" err="1">
+                <a:latin typeface="Myriad Pro" panose="020B0503030403020204" pitchFamily="34" charset="0"/>
+              </a:rPr>
+              <a:t>column</a:t>
+            </a:r>
+            <a:r>
+              <a:rPr lang="it-IT" dirty="0">
+                <a:latin typeface="Myriad Pro" panose="020B0503030403020204" pitchFamily="34" charset="0"/>
+              </a:rPr>
+              <a:t> </a:t>
+            </a:r>
+            <a:r>
+              <a:rPr lang="it-IT" i="1" dirty="0">
+                <a:latin typeface="Myriad Pro" panose="020B0503030403020204" pitchFamily="34" charset="0"/>
+              </a:rPr>
+              <a:t>date </a:t>
+            </a:r>
+            <a:r>
+              <a:rPr lang="it-IT" dirty="0" err="1">
+                <a:latin typeface="Myriad Pro" panose="020B0503030403020204" pitchFamily="34" charset="0"/>
+              </a:rPr>
+              <a:t>is</a:t>
+            </a:r>
+            <a:r>
+              <a:rPr lang="it-IT" dirty="0">
+                <a:latin typeface="Myriad Pro" panose="020B0503030403020204" pitchFamily="34" charset="0"/>
+              </a:rPr>
+              <a:t> </a:t>
+            </a:r>
+            <a:r>
+              <a:rPr lang="it-IT" dirty="0" err="1">
+                <a:latin typeface="Myriad Pro" panose="020B0503030403020204" pitchFamily="34" charset="0"/>
+              </a:rPr>
+              <a:t>not</a:t>
+            </a:r>
+            <a:r>
+              <a:rPr lang="it-IT" dirty="0">
+                <a:latin typeface="Myriad Pro" panose="020B0503030403020204" pitchFamily="34" charset="0"/>
+              </a:rPr>
+              <a:t> </a:t>
+            </a:r>
+            <a:r>
+              <a:rPr lang="it-IT" dirty="0" err="1">
+                <a:latin typeface="Myriad Pro" panose="020B0503030403020204" pitchFamily="34" charset="0"/>
+              </a:rPr>
+              <a:t>really</a:t>
+            </a:r>
+            <a:r>
+              <a:rPr lang="it-IT" dirty="0">
+                <a:latin typeface="Myriad Pro" panose="020B0503030403020204" pitchFamily="34" charset="0"/>
+              </a:rPr>
+              <a:t> </a:t>
+            </a:r>
+            <a:r>
+              <a:rPr lang="it-IT" dirty="0" err="1">
+                <a:latin typeface="Myriad Pro" panose="020B0503030403020204" pitchFamily="34" charset="0"/>
+              </a:rPr>
+              <a:t>useful</a:t>
+            </a:r>
+            <a:r>
+              <a:rPr lang="it-IT" dirty="0">
+                <a:latin typeface="Myriad Pro" panose="020B0503030403020204" pitchFamily="34" charset="0"/>
+              </a:rPr>
+              <a:t> for the </a:t>
+            </a:r>
+            <a:r>
+              <a:rPr lang="it-IT" dirty="0" err="1">
+                <a:latin typeface="Myriad Pro" panose="020B0503030403020204" pitchFamily="34" charset="0"/>
+              </a:rPr>
+              <a:t>prediction</a:t>
+            </a:r>
+            <a:r>
+              <a:rPr lang="it-IT" dirty="0">
+                <a:latin typeface="Myriad Pro" panose="020B0503030403020204" pitchFamily="34" charset="0"/>
+              </a:rPr>
+              <a:t>. </a:t>
+            </a:r>
+            <a:r>
+              <a:rPr lang="it-IT" dirty="0" err="1">
+                <a:latin typeface="Myriad Pro" panose="020B0503030403020204" pitchFamily="34" charset="0"/>
+              </a:rPr>
+              <a:t>We</a:t>
+            </a:r>
+            <a:r>
+              <a:rPr lang="it-IT" dirty="0">
+                <a:latin typeface="Myriad Pro" panose="020B0503030403020204" pitchFamily="34" charset="0"/>
+              </a:rPr>
+              <a:t> </a:t>
+            </a:r>
+            <a:r>
+              <a:rPr lang="it-IT" dirty="0" err="1">
+                <a:latin typeface="Myriad Pro" panose="020B0503030403020204" pitchFamily="34" charset="0"/>
+              </a:rPr>
+              <a:t>want</a:t>
+            </a:r>
+            <a:r>
+              <a:rPr lang="it-IT" dirty="0">
+                <a:latin typeface="Myriad Pro" panose="020B0503030403020204" pitchFamily="34" charset="0"/>
+              </a:rPr>
+              <a:t> to </a:t>
+            </a:r>
+            <a:r>
+              <a:rPr lang="it-IT" dirty="0" err="1">
+                <a:latin typeface="Myriad Pro" panose="020B0503030403020204" pitchFamily="34" charset="0"/>
+              </a:rPr>
+              <a:t>have</a:t>
+            </a:r>
+            <a:r>
+              <a:rPr lang="it-IT" dirty="0">
+                <a:latin typeface="Myriad Pro" panose="020B0503030403020204" pitchFamily="34" charset="0"/>
+              </a:rPr>
+              <a:t> an </a:t>
+            </a:r>
+            <a:r>
+              <a:rPr lang="it-IT" dirty="0" err="1">
+                <a:latin typeface="Myriad Pro" panose="020B0503030403020204" pitchFamily="34" charset="0"/>
+              </a:rPr>
+              <a:t>integer</a:t>
+            </a:r>
+            <a:r>
+              <a:rPr lang="it-IT" dirty="0">
+                <a:latin typeface="Myriad Pro" panose="020B0503030403020204" pitchFamily="34" charset="0"/>
+              </a:rPr>
+              <a:t> </a:t>
+            </a:r>
+            <a:r>
+              <a:rPr lang="it-IT" dirty="0" err="1">
+                <a:latin typeface="Myriad Pro" panose="020B0503030403020204" pitchFamily="34" charset="0"/>
+              </a:rPr>
+              <a:t>value</a:t>
+            </a:r>
+            <a:r>
+              <a:rPr lang="it-IT" dirty="0">
+                <a:latin typeface="Myriad Pro" panose="020B0503030403020204" pitchFamily="34" charset="0"/>
+              </a:rPr>
+              <a:t> </a:t>
+            </a:r>
+            <a:r>
+              <a:rPr lang="it-IT" dirty="0" err="1">
+                <a:latin typeface="Myriad Pro" panose="020B0503030403020204" pitchFamily="34" charset="0"/>
+              </a:rPr>
+              <a:t>that</a:t>
+            </a:r>
+            <a:r>
+              <a:rPr lang="it-IT" dirty="0">
+                <a:latin typeface="Myriad Pro" panose="020B0503030403020204" pitchFamily="34" charset="0"/>
+              </a:rPr>
+              <a:t> can be exploit </a:t>
+            </a:r>
+            <a:r>
+              <a:rPr lang="it-IT" dirty="0" err="1">
+                <a:latin typeface="Myriad Pro" panose="020B0503030403020204" pitchFamily="34" charset="0"/>
+              </a:rPr>
+              <a:t>as</a:t>
+            </a:r>
+            <a:r>
+              <a:rPr lang="it-IT" dirty="0">
+                <a:latin typeface="Myriad Pro" panose="020B0503030403020204" pitchFamily="34" charset="0"/>
+              </a:rPr>
+              <a:t> an information to </a:t>
+            </a:r>
+            <a:r>
+              <a:rPr lang="it-IT" dirty="0" err="1">
+                <a:latin typeface="Myriad Pro" panose="020B0503030403020204" pitchFamily="34" charset="0"/>
+              </a:rPr>
+              <a:t>perform</a:t>
+            </a:r>
+            <a:r>
+              <a:rPr lang="it-IT" dirty="0">
+                <a:latin typeface="Myriad Pro" panose="020B0503030403020204" pitchFamily="34" charset="0"/>
+              </a:rPr>
+              <a:t> the </a:t>
+            </a:r>
+            <a:r>
+              <a:rPr lang="it-IT" dirty="0" err="1">
+                <a:latin typeface="Myriad Pro" panose="020B0503030403020204" pitchFamily="34" charset="0"/>
+              </a:rPr>
+              <a:t>prediction</a:t>
+            </a:r>
+            <a:r>
+              <a:rPr lang="it-IT" dirty="0">
+                <a:latin typeface="Myriad Pro" panose="020B0503030403020204" pitchFamily="34" charset="0"/>
+              </a:rPr>
+              <a:t>.</a:t>
+            </a:r>
+          </a:p>
+          <a:p>
+            <a:endParaRPr lang="it-IT" dirty="0">
+              <a:latin typeface="Myriad Pro" panose="020B0503030403020204" pitchFamily="34" charset="0"/>
+            </a:endParaRPr>
+          </a:p>
+          <a:p>
+            <a:r>
+              <a:rPr lang="it-IT" u="sng" dirty="0">
+                <a:latin typeface="Myriad Pro" panose="020B0503030403020204" pitchFamily="34" charset="0"/>
+              </a:rPr>
+              <a:t>Solution</a:t>
+            </a:r>
+            <a:r>
+              <a:rPr lang="it-IT" dirty="0">
+                <a:latin typeface="Myriad Pro" panose="020B0503030403020204" pitchFamily="34" charset="0"/>
+              </a:rPr>
+              <a:t>: the </a:t>
+            </a:r>
+            <a:r>
+              <a:rPr lang="it-IT" dirty="0" err="1">
+                <a:latin typeface="Myriad Pro" panose="020B0503030403020204" pitchFamily="34" charset="0"/>
+              </a:rPr>
+              <a:t>value</a:t>
+            </a:r>
+            <a:r>
+              <a:rPr lang="it-IT" dirty="0">
+                <a:latin typeface="Myriad Pro" panose="020B0503030403020204" pitchFamily="34" charset="0"/>
+              </a:rPr>
+              <a:t> of </a:t>
+            </a:r>
+            <a:r>
+              <a:rPr lang="it-IT" i="1" dirty="0">
+                <a:latin typeface="Myriad Pro" panose="020B0503030403020204" pitchFamily="34" charset="0"/>
+              </a:rPr>
+              <a:t>date </a:t>
+            </a:r>
+            <a:r>
+              <a:rPr lang="it-IT" dirty="0" err="1">
+                <a:latin typeface="Myriad Pro" panose="020B0503030403020204" pitchFamily="34" charset="0"/>
+              </a:rPr>
+              <a:t>is</a:t>
+            </a:r>
+            <a:r>
+              <a:rPr lang="it-IT" dirty="0">
+                <a:latin typeface="Myriad Pro" panose="020B0503030403020204" pitchFamily="34" charset="0"/>
+              </a:rPr>
+              <a:t> </a:t>
+            </a:r>
+            <a:r>
+              <a:rPr lang="it-IT" dirty="0" err="1">
+                <a:latin typeface="Myriad Pro" panose="020B0503030403020204" pitchFamily="34" charset="0"/>
+              </a:rPr>
+              <a:t>transformed</a:t>
+            </a:r>
+            <a:r>
+              <a:rPr lang="it-IT" dirty="0">
+                <a:latin typeface="Myriad Pro" panose="020B0503030403020204" pitchFamily="34" charset="0"/>
+              </a:rPr>
+              <a:t> </a:t>
+            </a:r>
+            <a:r>
+              <a:rPr lang="it-IT" dirty="0" err="1">
+                <a:latin typeface="Myriad Pro" panose="020B0503030403020204" pitchFamily="34" charset="0"/>
+              </a:rPr>
+              <a:t>into</a:t>
+            </a:r>
+            <a:r>
+              <a:rPr lang="it-IT" dirty="0">
+                <a:latin typeface="Myriad Pro" panose="020B0503030403020204" pitchFamily="34" charset="0"/>
+              </a:rPr>
+              <a:t> an </a:t>
+            </a:r>
+            <a:r>
+              <a:rPr lang="it-IT" dirty="0" err="1">
+                <a:latin typeface="Myriad Pro" panose="020B0503030403020204" pitchFamily="34" charset="0"/>
+              </a:rPr>
+              <a:t>integer</a:t>
+            </a:r>
+            <a:r>
+              <a:rPr lang="it-IT" dirty="0">
+                <a:latin typeface="Myriad Pro" panose="020B0503030403020204" pitchFamily="34" charset="0"/>
+              </a:rPr>
+              <a:t> </a:t>
+            </a:r>
+            <a:r>
+              <a:rPr lang="it-IT" dirty="0" err="1">
+                <a:latin typeface="Myriad Pro" panose="020B0503030403020204" pitchFamily="34" charset="0"/>
+              </a:rPr>
+              <a:t>value</a:t>
+            </a:r>
+            <a:r>
+              <a:rPr lang="it-IT" dirty="0">
+                <a:latin typeface="Myriad Pro" panose="020B0503030403020204" pitchFamily="34" charset="0"/>
+              </a:rPr>
+              <a:t>, </a:t>
+            </a:r>
+            <a:r>
+              <a:rPr lang="it-IT" dirty="0" err="1">
+                <a:latin typeface="Myriad Pro" panose="020B0503030403020204" pitchFamily="34" charset="0"/>
+              </a:rPr>
+              <a:t>describing</a:t>
+            </a:r>
+            <a:r>
+              <a:rPr lang="it-IT" dirty="0">
+                <a:latin typeface="Myriad Pro" panose="020B0503030403020204" pitchFamily="34" charset="0"/>
+              </a:rPr>
+              <a:t> the </a:t>
+            </a:r>
+            <a:r>
+              <a:rPr lang="it-IT" dirty="0" err="1">
+                <a:latin typeface="Myriad Pro" panose="020B0503030403020204" pitchFamily="34" charset="0"/>
+              </a:rPr>
+              <a:t>number</a:t>
+            </a:r>
+            <a:r>
+              <a:rPr lang="it-IT" dirty="0">
+                <a:latin typeface="Myriad Pro" panose="020B0503030403020204" pitchFamily="34" charset="0"/>
+              </a:rPr>
+              <a:t> of </a:t>
+            </a:r>
+            <a:r>
+              <a:rPr lang="it-IT" dirty="0" err="1">
+                <a:latin typeface="Myriad Pro" panose="020B0503030403020204" pitchFamily="34" charset="0"/>
+              </a:rPr>
+              <a:t>days</a:t>
+            </a:r>
+            <a:r>
+              <a:rPr lang="it-IT" dirty="0">
+                <a:latin typeface="Myriad Pro" panose="020B0503030403020204" pitchFamily="34" charset="0"/>
+              </a:rPr>
+              <a:t> </a:t>
+            </a:r>
+            <a:r>
+              <a:rPr lang="it-IT" dirty="0" err="1">
+                <a:latin typeface="Myriad Pro" panose="020B0503030403020204" pitchFamily="34" charset="0"/>
+              </a:rPr>
+              <a:t>since</a:t>
+            </a:r>
+            <a:r>
+              <a:rPr lang="it-IT" dirty="0">
+                <a:latin typeface="Myriad Pro" panose="020B0503030403020204" pitchFamily="34" charset="0"/>
+              </a:rPr>
+              <a:t> the first sale in the </a:t>
+            </a:r>
+            <a:r>
+              <a:rPr lang="it-IT" dirty="0" err="1">
+                <a:latin typeface="Myriad Pro" panose="020B0503030403020204" pitchFamily="34" charset="0"/>
+              </a:rPr>
+              <a:t>analyzed</a:t>
+            </a:r>
+            <a:r>
+              <a:rPr lang="it-IT" dirty="0">
+                <a:latin typeface="Myriad Pro" panose="020B0503030403020204" pitchFamily="34" charset="0"/>
+              </a:rPr>
+              <a:t> </a:t>
+            </a:r>
+            <a:r>
+              <a:rPr lang="it-IT" dirty="0" err="1">
+                <a:latin typeface="Myriad Pro" panose="020B0503030403020204" pitchFamily="34" charset="0"/>
+              </a:rPr>
+              <a:t>period</a:t>
+            </a:r>
+            <a:r>
+              <a:rPr lang="it-IT" dirty="0">
+                <a:latin typeface="Myriad Pro" panose="020B0503030403020204" pitchFamily="34" charset="0"/>
+              </a:rPr>
+              <a:t>.</a:t>
+            </a:r>
+            <a:endParaRPr lang="it-IT" baseline="30000" dirty="0">
               <a:latin typeface="Myriad Pro" panose="020B0503030403020204" pitchFamily="34" charset="0"/>
             </a:endParaRPr>
           </a:p>
